--- a/presentation/20180325-datafest2018-theresolutemean.pptx
+++ b/presentation/20180325-datafest2018-theresolutemean.pptx
@@ -163,7 +163,7 @@
           <pc:sldMk cId="935841748" sldId="257"/>
         </pc:sldMkLst>
         <pc:spChg chg="add del">
-          <ac:chgData name="Moritz Hemmerlein" userId="9a668112559472f2" providerId="LiveId" clId="{16858318-22C9-4B8A-9A06-376E62435CA8}" dt="2018-03-23T16:11:13.394" v="185"/>
+          <ac:chgData name="Moritz Hemmerlein" userId="9a668112559472f2" providerId="LiveId" clId="{16858318-22C9-4B8A-9A06-376E62435CA8}" dt="2018-03-23T16:11:13.394" v="185" actId="20577"/>
           <ac:spMkLst>
             <pc:docMk/>
             <pc:sldMk cId="935841748" sldId="257"/>
@@ -171,7 +171,7 @@
           </ac:spMkLst>
         </pc:spChg>
         <pc:spChg chg="add del">
-          <ac:chgData name="Moritz Hemmerlein" userId="9a668112559472f2" providerId="LiveId" clId="{16858318-22C9-4B8A-9A06-376E62435CA8}" dt="2018-03-23T16:11:13.394" v="185"/>
+          <ac:chgData name="Moritz Hemmerlein" userId="9a668112559472f2" providerId="LiveId" clId="{16858318-22C9-4B8A-9A06-376E62435CA8}" dt="2018-03-23T16:11:13.394" v="185" actId="20577"/>
           <ac:spMkLst>
             <pc:docMk/>
             <pc:sldMk cId="935841748" sldId="257"/>
@@ -179,7 +179,7 @@
           </ac:spMkLst>
         </pc:spChg>
         <pc:spChg chg="add del mod">
-          <ac:chgData name="Moritz Hemmerlein" userId="9a668112559472f2" providerId="LiveId" clId="{16858318-22C9-4B8A-9A06-376E62435CA8}" dt="2018-03-23T16:10:09.214" v="171"/>
+          <ac:chgData name="Moritz Hemmerlein" userId="9a668112559472f2" providerId="LiveId" clId="{16858318-22C9-4B8A-9A06-376E62435CA8}" dt="2018-03-23T16:10:09.214" v="171" actId="20577"/>
           <ac:spMkLst>
             <pc:docMk/>
             <pc:sldMk cId="935841748" sldId="257"/>
@@ -187,7 +187,7 @@
           </ac:spMkLst>
         </pc:spChg>
         <pc:spChg chg="add del mod">
-          <ac:chgData name="Moritz Hemmerlein" userId="9a668112559472f2" providerId="LiveId" clId="{16858318-22C9-4B8A-9A06-376E62435CA8}" dt="2018-03-23T16:10:09.214" v="171"/>
+          <ac:chgData name="Moritz Hemmerlein" userId="9a668112559472f2" providerId="LiveId" clId="{16858318-22C9-4B8A-9A06-376E62435CA8}" dt="2018-03-23T16:10:09.214" v="171" actId="20577"/>
           <ac:spMkLst>
             <pc:docMk/>
             <pc:sldMk cId="935841748" sldId="257"/>
@@ -195,7 +195,7 @@
           </ac:spMkLst>
         </pc:spChg>
         <pc:spChg chg="add del mod">
-          <ac:chgData name="Moritz Hemmerlein" userId="9a668112559472f2" providerId="LiveId" clId="{16858318-22C9-4B8A-9A06-376E62435CA8}" dt="2018-03-23T16:10:09.214" v="171"/>
+          <ac:chgData name="Moritz Hemmerlein" userId="9a668112559472f2" providerId="LiveId" clId="{16858318-22C9-4B8A-9A06-376E62435CA8}" dt="2018-03-23T16:10:09.214" v="171" actId="20577"/>
           <ac:spMkLst>
             <pc:docMk/>
             <pc:sldMk cId="935841748" sldId="257"/>
@@ -211,7 +211,7 @@
           </ac:spMkLst>
         </pc:spChg>
         <pc:spChg chg="add mod">
-          <ac:chgData name="Moritz Hemmerlein" userId="9a668112559472f2" providerId="LiveId" clId="{16858318-22C9-4B8A-9A06-376E62435CA8}" dt="2018-03-23T16:11:13.394" v="185"/>
+          <ac:chgData name="Moritz Hemmerlein" userId="9a668112559472f2" providerId="LiveId" clId="{16858318-22C9-4B8A-9A06-376E62435CA8}" dt="2018-03-23T16:11:13.394" v="185" actId="20577"/>
           <ac:spMkLst>
             <pc:docMk/>
             <pc:sldMk cId="935841748" sldId="257"/>
@@ -219,7 +219,7 @@
           </ac:spMkLst>
         </pc:spChg>
         <pc:spChg chg="add mod">
-          <ac:chgData name="Moritz Hemmerlein" userId="9a668112559472f2" providerId="LiveId" clId="{16858318-22C9-4B8A-9A06-376E62435CA8}" dt="2018-03-23T16:11:13.394" v="185"/>
+          <ac:chgData name="Moritz Hemmerlein" userId="9a668112559472f2" providerId="LiveId" clId="{16858318-22C9-4B8A-9A06-376E62435CA8}" dt="2018-03-23T16:11:13.394" v="185" actId="20577"/>
           <ac:spMkLst>
             <pc:docMk/>
             <pc:sldMk cId="935841748" sldId="257"/>
@@ -298,7 +298,7 @@
           </ac:picMkLst>
         </pc:picChg>
         <pc:picChg chg="mod">
-          <ac:chgData name="Moritz Hemmerlein" userId="9a668112559472f2" providerId="LiveId" clId="{16858318-22C9-4B8A-9A06-376E62435CA8}" dt="2018-03-23T16:07:45.185" v="151"/>
+          <ac:chgData name="Moritz Hemmerlein" userId="9a668112559472f2" providerId="LiveId" clId="{16858318-22C9-4B8A-9A06-376E62435CA8}" dt="2018-03-23T16:07:45.185" v="151" actId="14100"/>
           <ac:picMkLst>
             <pc:docMk/>
             <pc:sldMasterMk cId="2566771548" sldId="2147483708"/>
@@ -306,7 +306,7 @@
           </ac:picMkLst>
         </pc:picChg>
         <pc:picChg chg="mod">
-          <ac:chgData name="Moritz Hemmerlein" userId="9a668112559472f2" providerId="LiveId" clId="{16858318-22C9-4B8A-9A06-376E62435CA8}" dt="2018-03-23T16:07:45.186" v="153"/>
+          <ac:chgData name="Moritz Hemmerlein" userId="9a668112559472f2" providerId="LiveId" clId="{16858318-22C9-4B8A-9A06-376E62435CA8}" dt="2018-03-23T16:07:45.186" v="153" actId="14100"/>
           <ac:picMkLst>
             <pc:docMk/>
             <pc:sldMasterMk cId="2566771548" sldId="2147483708"/>
@@ -322,7 +322,7 @@
           </ac:picMkLst>
         </pc:picChg>
         <pc:picChg chg="mod">
-          <ac:chgData name="Moritz Hemmerlein" userId="9a668112559472f2" providerId="LiveId" clId="{16858318-22C9-4B8A-9A06-376E62435CA8}" dt="2018-03-23T16:07:40.651" v="149"/>
+          <ac:chgData name="Moritz Hemmerlein" userId="9a668112559472f2" providerId="LiveId" clId="{16858318-22C9-4B8A-9A06-376E62435CA8}" dt="2018-03-23T16:07:40.651" v="149" actId="14100"/>
           <ac:picMkLst>
             <pc:docMk/>
             <pc:sldMasterMk cId="2566771548" sldId="2147483708"/>
@@ -355,7 +355,7 @@
             </ac:spMkLst>
           </pc:spChg>
           <pc:spChg chg="add">
-            <ac:chgData name="Moritz Hemmerlein" userId="9a668112559472f2" providerId="LiveId" clId="{16858318-22C9-4B8A-9A06-376E62435CA8}" dt="2018-03-23T16:10:28.174" v="173"/>
+            <ac:chgData name="Moritz Hemmerlein" userId="9a668112559472f2" providerId="LiveId" clId="{16858318-22C9-4B8A-9A06-376E62435CA8}" dt="2018-03-23T16:10:28.174" v="173" actId="14100"/>
             <ac:spMkLst>
               <pc:docMk/>
               <pc:sldMasterMk cId="2566771548" sldId="2147483708"/>
@@ -365,7 +365,7 @@
           </pc:spChg>
         </pc:sldLayoutChg>
         <pc:sldLayoutChg chg="addSp delSp">
-          <pc:chgData name="Moritz Hemmerlein" userId="9a668112559472f2" providerId="LiveId" clId="{16858318-22C9-4B8A-9A06-376E62435CA8}" dt="2018-03-23T16:10:32.801" v="175"/>
+          <pc:chgData name="Moritz Hemmerlein" userId="9a668112559472f2" providerId="LiveId" clId="{16858318-22C9-4B8A-9A06-376E62435CA8}" dt="2018-03-23T16:10:32.801" v="175" actId="14100"/>
           <pc:sldLayoutMkLst>
             <pc:docMk/>
             <pc:sldMasterMk cId="2566771548" sldId="2147483708"/>
@@ -381,7 +381,7 @@
             </ac:spMkLst>
           </pc:spChg>
           <pc:spChg chg="add">
-            <ac:chgData name="Moritz Hemmerlein" userId="9a668112559472f2" providerId="LiveId" clId="{16858318-22C9-4B8A-9A06-376E62435CA8}" dt="2018-03-23T16:10:32.801" v="175"/>
+            <ac:chgData name="Moritz Hemmerlein" userId="9a668112559472f2" providerId="LiveId" clId="{16858318-22C9-4B8A-9A06-376E62435CA8}" dt="2018-03-23T16:10:32.801" v="175" actId="14100"/>
             <ac:spMkLst>
               <pc:docMk/>
               <pc:sldMasterMk cId="2566771548" sldId="2147483708"/>
@@ -391,7 +391,7 @@
           </pc:spChg>
         </pc:sldLayoutChg>
         <pc:sldLayoutChg chg="addSp delSp">
-          <pc:chgData name="Moritz Hemmerlein" userId="9a668112559472f2" providerId="LiveId" clId="{16858318-22C9-4B8A-9A06-376E62435CA8}" dt="2018-03-23T16:10:36.787" v="177"/>
+          <pc:chgData name="Moritz Hemmerlein" userId="9a668112559472f2" providerId="LiveId" clId="{16858318-22C9-4B8A-9A06-376E62435CA8}" dt="2018-03-23T16:10:36.787" v="177" actId="14100"/>
           <pc:sldLayoutMkLst>
             <pc:docMk/>
             <pc:sldMasterMk cId="2566771548" sldId="2147483708"/>
@@ -407,7 +407,7 @@
             </ac:spMkLst>
           </pc:spChg>
           <pc:spChg chg="add">
-            <ac:chgData name="Moritz Hemmerlein" userId="9a668112559472f2" providerId="LiveId" clId="{16858318-22C9-4B8A-9A06-376E62435CA8}" dt="2018-03-23T16:10:36.787" v="177"/>
+            <ac:chgData name="Moritz Hemmerlein" userId="9a668112559472f2" providerId="LiveId" clId="{16858318-22C9-4B8A-9A06-376E62435CA8}" dt="2018-03-23T16:10:36.787" v="177" actId="14100"/>
             <ac:spMkLst>
               <pc:docMk/>
               <pc:sldMasterMk cId="2566771548" sldId="2147483708"/>
@@ -417,7 +417,7 @@
           </pc:spChg>
         </pc:sldLayoutChg>
         <pc:sldLayoutChg chg="addSp delSp">
-          <pc:chgData name="Moritz Hemmerlein" userId="9a668112559472f2" providerId="LiveId" clId="{16858318-22C9-4B8A-9A06-376E62435CA8}" dt="2018-03-23T16:10:40.507" v="179"/>
+          <pc:chgData name="Moritz Hemmerlein" userId="9a668112559472f2" providerId="LiveId" clId="{16858318-22C9-4B8A-9A06-376E62435CA8}" dt="2018-03-23T16:10:40.507" v="179" actId="14100"/>
           <pc:sldLayoutMkLst>
             <pc:docMk/>
             <pc:sldMasterMk cId="2566771548" sldId="2147483708"/>
@@ -433,7 +433,7 @@
             </ac:spMkLst>
           </pc:spChg>
           <pc:spChg chg="add">
-            <ac:chgData name="Moritz Hemmerlein" userId="9a668112559472f2" providerId="LiveId" clId="{16858318-22C9-4B8A-9A06-376E62435CA8}" dt="2018-03-23T16:10:40.507" v="179"/>
+            <ac:chgData name="Moritz Hemmerlein" userId="9a668112559472f2" providerId="LiveId" clId="{16858318-22C9-4B8A-9A06-376E62435CA8}" dt="2018-03-23T16:10:40.507" v="179" actId="14100"/>
             <ac:spMkLst>
               <pc:docMk/>
               <pc:sldMasterMk cId="2566771548" sldId="2147483708"/>
@@ -585,7 +585,7 @@
           <a:p>
             <a:fld id="{B23375D0-788C-463C-9363-76E394C21F96}" type="datetimeFigureOut">
               <a:rPr lang="de-DE" smtClean="0"/>
-              <a:t>23.03.2018</a:t>
+              <a:t>24.03.18</a:t>
             </a:fld>
             <a:endParaRPr lang="de-DE"/>
           </a:p>
@@ -627,7 +627,7 @@
           <a:p>
             <a:fld id="{BB770AC0-BAF5-467D-8D09-11B1889686D8}" type="slidenum">
               <a:rPr lang="de-DE" smtClean="0"/>
-              <a:t>‹Nr.›</a:t>
+              <a:t>‹#›</a:t>
             </a:fld>
             <a:endParaRPr lang="de-DE"/>
           </a:p>
@@ -771,7 +771,7 @@
           <a:p>
             <a:fld id="{B23375D0-788C-463C-9363-76E394C21F96}" type="datetimeFigureOut">
               <a:rPr lang="de-DE" smtClean="0"/>
-              <a:t>23.03.2018</a:t>
+              <a:t>24.03.18</a:t>
             </a:fld>
             <a:endParaRPr lang="de-DE"/>
           </a:p>
@@ -813,7 +813,7 @@
           <a:p>
             <a:fld id="{BB770AC0-BAF5-467D-8D09-11B1889686D8}" type="slidenum">
               <a:rPr lang="de-DE" smtClean="0"/>
-              <a:t>‹Nr.›</a:t>
+              <a:t>‹#›</a:t>
             </a:fld>
             <a:endParaRPr lang="de-DE"/>
           </a:p>
@@ -957,7 +957,7 @@
           <a:p>
             <a:fld id="{B23375D0-788C-463C-9363-76E394C21F96}" type="datetimeFigureOut">
               <a:rPr lang="de-DE" smtClean="0"/>
-              <a:t>23.03.2018</a:t>
+              <a:t>24.03.18</a:t>
             </a:fld>
             <a:endParaRPr lang="de-DE"/>
           </a:p>
@@ -999,7 +999,7 @@
           <a:p>
             <a:fld id="{BB770AC0-BAF5-467D-8D09-11B1889686D8}" type="slidenum">
               <a:rPr lang="de-DE" smtClean="0"/>
-              <a:t>‹Nr.›</a:t>
+              <a:t>‹#›</a:t>
             </a:fld>
             <a:endParaRPr lang="de-DE"/>
           </a:p>
@@ -1112,7 +1112,7 @@
           <a:p>
             <a:fld id="{B23375D0-788C-463C-9363-76E394C21F96}" type="datetimeFigureOut">
               <a:rPr lang="de-DE" smtClean="0"/>
-              <a:t>23.03.2018</a:t>
+              <a:t>24.03.18</a:t>
             </a:fld>
             <a:endParaRPr lang="de-DE"/>
           </a:p>
@@ -1154,7 +1154,7 @@
           <a:p>
             <a:fld id="{BB770AC0-BAF5-467D-8D09-11B1889686D8}" type="slidenum">
               <a:rPr lang="de-DE" smtClean="0"/>
-              <a:t>‹Nr.›</a:t>
+              <a:t>‹#›</a:t>
             </a:fld>
             <a:endParaRPr lang="de-DE"/>
           </a:p>
@@ -1403,7 +1403,7 @@
           <a:p>
             <a:fld id="{B23375D0-788C-463C-9363-76E394C21F96}" type="datetimeFigureOut">
               <a:rPr lang="de-DE" smtClean="0"/>
-              <a:t>23.03.2018</a:t>
+              <a:t>24.03.18</a:t>
             </a:fld>
             <a:endParaRPr lang="de-DE"/>
           </a:p>
@@ -1445,7 +1445,7 @@
           <a:p>
             <a:fld id="{BB770AC0-BAF5-467D-8D09-11B1889686D8}" type="slidenum">
               <a:rPr lang="de-DE" smtClean="0"/>
-              <a:t>‹Nr.›</a:t>
+              <a:t>‹#›</a:t>
             </a:fld>
             <a:endParaRPr lang="de-DE"/>
           </a:p>
@@ -1618,7 +1618,7 @@
           <a:p>
             <a:fld id="{B23375D0-788C-463C-9363-76E394C21F96}" type="datetimeFigureOut">
               <a:rPr lang="de-DE" smtClean="0"/>
-              <a:t>23.03.2018</a:t>
+              <a:t>24.03.18</a:t>
             </a:fld>
             <a:endParaRPr lang="de-DE"/>
           </a:p>
@@ -1660,7 +1660,7 @@
           <a:p>
             <a:fld id="{BB770AC0-BAF5-467D-8D09-11B1889686D8}" type="slidenum">
               <a:rPr lang="de-DE" smtClean="0"/>
-              <a:t>‹Nr.›</a:t>
+              <a:t>‹#›</a:t>
             </a:fld>
             <a:endParaRPr lang="de-DE"/>
           </a:p>
@@ -2008,7 +2008,7 @@
           <a:p>
             <a:fld id="{B23375D0-788C-463C-9363-76E394C21F96}" type="datetimeFigureOut">
               <a:rPr lang="de-DE" smtClean="0"/>
-              <a:t>23.03.2018</a:t>
+              <a:t>24.03.18</a:t>
             </a:fld>
             <a:endParaRPr lang="de-DE"/>
           </a:p>
@@ -2050,7 +2050,7 @@
           <a:p>
             <a:fld id="{BB770AC0-BAF5-467D-8D09-11B1889686D8}" type="slidenum">
               <a:rPr lang="de-DE" smtClean="0"/>
-              <a:t>‹Nr.›</a:t>
+              <a:t>‹#›</a:t>
             </a:fld>
             <a:endParaRPr lang="de-DE"/>
           </a:p>
@@ -2142,7 +2142,7 @@
           <a:p>
             <a:fld id="{B23375D0-788C-463C-9363-76E394C21F96}" type="datetimeFigureOut">
               <a:rPr lang="de-DE" smtClean="0"/>
-              <a:t>23.03.2018</a:t>
+              <a:t>24.03.18</a:t>
             </a:fld>
             <a:endParaRPr lang="de-DE"/>
           </a:p>
@@ -2184,7 +2184,7 @@
           <a:p>
             <a:fld id="{BB770AC0-BAF5-467D-8D09-11B1889686D8}" type="slidenum">
               <a:rPr lang="de-DE" smtClean="0"/>
-              <a:t>‹Nr.›</a:t>
+              <a:t>‹#›</a:t>
             </a:fld>
             <a:endParaRPr lang="de-DE"/>
           </a:p>
@@ -2276,7 +2276,7 @@
           <a:p>
             <a:fld id="{B23375D0-788C-463C-9363-76E394C21F96}" type="datetimeFigureOut">
               <a:rPr lang="de-DE" smtClean="0"/>
-              <a:t>23.03.2018</a:t>
+              <a:t>24.03.18</a:t>
             </a:fld>
             <a:endParaRPr lang="de-DE"/>
           </a:p>
@@ -2318,7 +2318,7 @@
           <a:p>
             <a:fld id="{BB770AC0-BAF5-467D-8D09-11B1889686D8}" type="slidenum">
               <a:rPr lang="de-DE" smtClean="0"/>
-              <a:t>‹Nr.›</a:t>
+              <a:t>‹#›</a:t>
             </a:fld>
             <a:endParaRPr lang="de-DE"/>
           </a:p>
@@ -2562,7 +2562,7 @@
           <a:p>
             <a:fld id="{B23375D0-788C-463C-9363-76E394C21F96}" type="datetimeFigureOut">
               <a:rPr lang="de-DE" smtClean="0"/>
-              <a:t>23.03.2018</a:t>
+              <a:t>24.03.18</a:t>
             </a:fld>
             <a:endParaRPr lang="de-DE"/>
           </a:p>
@@ -2604,7 +2604,7 @@
           <a:p>
             <a:fld id="{BB770AC0-BAF5-467D-8D09-11B1889686D8}" type="slidenum">
               <a:rPr lang="de-DE" smtClean="0"/>
-              <a:t>‹Nr.›</a:t>
+              <a:t>‹#›</a:t>
             </a:fld>
             <a:endParaRPr lang="de-DE"/>
           </a:p>
@@ -2828,7 +2828,7 @@
           <a:p>
             <a:fld id="{B23375D0-788C-463C-9363-76E394C21F96}" type="datetimeFigureOut">
               <a:rPr lang="de-DE" smtClean="0"/>
-              <a:t>23.03.2018</a:t>
+              <a:t>24.03.18</a:t>
             </a:fld>
             <a:endParaRPr lang="de-DE"/>
           </a:p>
@@ -2870,7 +2870,7 @@
           <a:p>
             <a:fld id="{BB770AC0-BAF5-467D-8D09-11B1889686D8}" type="slidenum">
               <a:rPr lang="de-DE" smtClean="0"/>
-              <a:t>‹Nr.›</a:t>
+              <a:t>‹#›</a:t>
             </a:fld>
             <a:endParaRPr lang="de-DE"/>
           </a:p>
@@ -3042,7 +3042,7 @@
             <a:fld id="{B23375D0-788C-463C-9363-76E394C21F96}" type="datetimeFigureOut">
               <a:rPr lang="de-DE" smtClean="0"/>
               <a:pPr/>
-              <a:t>23.03.2018</a:t>
+              <a:t>24.03.18</a:t>
             </a:fld>
             <a:endParaRPr lang="de-DE"/>
           </a:p>
@@ -3125,7 +3125,7 @@
             <a:fld id="{BB770AC0-BAF5-467D-8D09-11B1889686D8}" type="slidenum">
               <a:rPr lang="de-DE" smtClean="0"/>
               <a:pPr/>
-              <a:t>‹Nr.›</a:t>
+              <a:t>‹#›</a:t>
             </a:fld>
             <a:endParaRPr lang="de-DE" dirty="0"/>
           </a:p>
@@ -3612,15 +3612,127 @@
             <p:ph type="ctrTitle"/>
           </p:nvPr>
         </p:nvSpPr>
-        <p:spPr/>
-        <p:txBody>
-          <a:bodyPr/>
-          <a:lstStyle/>
-          <a:p>
+        <p:spPr>
+          <a:xfrm>
+            <a:off x="997026" y="2693453"/>
+            <a:ext cx="10197947" cy="2387600"/>
+          </a:xfrm>
+        </p:spPr>
+        <p:txBody>
+          <a:bodyPr>
+            <a:normAutofit fontScale="90000"/>
+          </a:bodyPr>
+          <a:lstStyle/>
+          <a:p>
+            <a:r>
+              <a:rPr lang="de-DE" dirty="0" err="1"/>
+              <a:t>When</a:t>
+            </a:r>
             <a:r>
               <a:rPr lang="de-DE" dirty="0"/>
-              <a:t>Title</a:t>
-            </a:r>
+              <a:t> international </a:t>
+            </a:r>
+            <a:r>
+              <a:rPr lang="de-DE" dirty="0" err="1"/>
+              <a:t>malicious</a:t>
+            </a:r>
+            <a:r>
+              <a:rPr lang="de-DE" dirty="0"/>
+              <a:t> </a:t>
+            </a:r>
+            <a:r>
+              <a:rPr lang="de-DE" dirty="0" err="1"/>
+              <a:t>cyber</a:t>
+            </a:r>
+            <a:r>
+              <a:rPr lang="de-DE" dirty="0"/>
+              <a:t> </a:t>
+            </a:r>
+            <a:r>
+              <a:rPr lang="de-DE" dirty="0" err="1"/>
+              <a:t>activity</a:t>
+            </a:r>
+            <a:r>
+              <a:rPr lang="de-DE" dirty="0"/>
+              <a:t> </a:t>
+            </a:r>
+            <a:r>
+              <a:rPr lang="de-DE" dirty="0" err="1"/>
+              <a:t>is</a:t>
+            </a:r>
+            <a:r>
+              <a:rPr lang="de-DE" dirty="0"/>
+              <a:t> high, countries </a:t>
+            </a:r>
+            <a:r>
+              <a:rPr lang="de-DE" dirty="0" err="1"/>
+              <a:t>with</a:t>
+            </a:r>
+            <a:r>
+              <a:rPr lang="de-DE" dirty="0"/>
+              <a:t> </a:t>
+            </a:r>
+            <a:r>
+              <a:rPr lang="de-DE" dirty="0" err="1"/>
+              <a:t>more</a:t>
+            </a:r>
+            <a:r>
+              <a:rPr lang="de-DE" dirty="0"/>
+              <a:t> </a:t>
+            </a:r>
+            <a:r>
+              <a:rPr lang="de-DE" dirty="0" err="1"/>
+              <a:t>secure</a:t>
+            </a:r>
+            <a:r>
+              <a:rPr lang="de-DE" dirty="0"/>
+              <a:t> </a:t>
+            </a:r>
+            <a:r>
+              <a:rPr lang="de-DE" dirty="0" err="1"/>
+              <a:t>internet</a:t>
+            </a:r>
+            <a:r>
+              <a:rPr lang="de-DE" dirty="0"/>
+              <a:t> </a:t>
+            </a:r>
+            <a:r>
+              <a:rPr lang="de-DE" dirty="0" err="1"/>
+              <a:t>servers</a:t>
+            </a:r>
+            <a:r>
+              <a:rPr lang="de-DE" dirty="0"/>
+              <a:t> per </a:t>
+            </a:r>
+            <a:r>
+              <a:rPr lang="de-DE" dirty="0" err="1"/>
+              <a:t>capita</a:t>
+            </a:r>
+            <a:r>
+              <a:rPr lang="de-DE" dirty="0"/>
+              <a:t> </a:t>
+            </a:r>
+            <a:r>
+              <a:rPr lang="de-DE" dirty="0" err="1"/>
+              <a:t>are</a:t>
+            </a:r>
+            <a:r>
+              <a:rPr lang="de-DE" dirty="0"/>
+              <a:t> </a:t>
+            </a:r>
+            <a:r>
+              <a:rPr lang="de-DE" dirty="0" err="1"/>
+              <a:t>used</a:t>
+            </a:r>
+            <a:r>
+              <a:rPr lang="de-DE" dirty="0"/>
+              <a:t> </a:t>
+            </a:r>
+            <a:r>
+              <a:rPr lang="de-DE" dirty="0" err="1"/>
+              <a:t>less</a:t>
+            </a:r>
+            <a:endParaRPr lang="de-DE" dirty="0"/>
           </a:p>
         </p:txBody>
       </p:sp>
@@ -3640,15 +3752,28 @@
             <p:ph type="subTitle" idx="1"/>
           </p:nvPr>
         </p:nvSpPr>
-        <p:spPr/>
+        <p:spPr>
+          <a:xfrm>
+            <a:off x="1524000" y="5202238"/>
+            <a:ext cx="9144000" cy="1655762"/>
+          </a:xfrm>
+        </p:spPr>
         <p:txBody>
           <a:bodyPr/>
           <a:lstStyle/>
           <a:p>
             <a:r>
               <a:rPr lang="de-DE" dirty="0"/>
-              <a:t>Team</a:t>
-            </a:r>
+              <a:t>The Resolute </a:t>
+            </a:r>
+            <a:r>
+              <a:rPr lang="de-DE" dirty="0" err="1"/>
+              <a:t>Mean</a:t>
+            </a:r>
+            <a:endParaRPr lang="de-DE" dirty="0"/>
+          </a:p>
+          <a:p>
+            <a:endParaRPr lang="de-DE" dirty="0"/>
           </a:p>
         </p:txBody>
       </p:sp>
@@ -3703,7 +3828,46 @@
           <a:bodyPr/>
           <a:lstStyle/>
           <a:p>
-            <a:endParaRPr lang="de-DE"/>
+            <a:r>
+              <a:rPr lang="de-DE" dirty="0" err="1"/>
+              <a:t>Histogram</a:t>
+            </a:r>
+            <a:r>
+              <a:rPr lang="de-DE" dirty="0"/>
+              <a:t>: </a:t>
+            </a:r>
+            <a:r>
+              <a:rPr lang="de-DE" dirty="0" err="1"/>
+              <a:t>number</a:t>
+            </a:r>
+            <a:r>
+              <a:rPr lang="de-DE" dirty="0"/>
+              <a:t> </a:t>
+            </a:r>
+            <a:r>
+              <a:rPr lang="de-DE" dirty="0" err="1"/>
+              <a:t>of</a:t>
+            </a:r>
+            <a:r>
+              <a:rPr lang="de-DE" dirty="0"/>
+              <a:t> </a:t>
+            </a:r>
+            <a:r>
+              <a:rPr lang="de-DE" dirty="0" err="1"/>
+              <a:t>secure</a:t>
+            </a:r>
+            <a:r>
+              <a:rPr lang="de-DE" dirty="0"/>
+              <a:t> </a:t>
+            </a:r>
+            <a:r>
+              <a:rPr lang="de-DE" dirty="0" err="1"/>
+              <a:t>servers</a:t>
+            </a:r>
+            <a:r>
+              <a:rPr lang="de-DE" dirty="0"/>
+              <a:t> </a:t>
+            </a:r>
           </a:p>
         </p:txBody>
       </p:sp>

--- a/presentation/20180325-datafest2018-theresolutemean.pptx
+++ b/presentation/20180325-datafest2018-theresolutemean.pptx
@@ -122,6 +122,10 @@
     </p:ext>
   </p:extLst>
 </p:presentation>
+</file>
+
+<file path=ppt/revisionInfo.xml><?xml version="1.0" encoding="utf-8"?>
+<p1510:revInfo xmlns:a="http://schemas.openxmlformats.org/drawingml/2006/main" xmlns:r="http://schemas.openxmlformats.org/officeDocument/2006/relationships" xmlns:p1510="http://schemas.microsoft.com/office/powerpoint/2015/10/main"/>
 </file>
 
 <file path=ppt/changesInfos/changesInfo1.xml><?xml version="1.0" encoding="utf-8"?>
@@ -585,7 +589,7 @@
           <a:p>
             <a:fld id="{B23375D0-788C-463C-9363-76E394C21F96}" type="datetimeFigureOut">
               <a:rPr lang="de-DE" smtClean="0"/>
-              <a:t>24.03.18</a:t>
+              <a:t>24.03.2018</a:t>
             </a:fld>
             <a:endParaRPr lang="de-DE"/>
           </a:p>
@@ -627,7 +631,7 @@
           <a:p>
             <a:fld id="{BB770AC0-BAF5-467D-8D09-11B1889686D8}" type="slidenum">
               <a:rPr lang="de-DE" smtClean="0"/>
-              <a:t>‹#›</a:t>
+              <a:t>‹nr.›</a:t>
             </a:fld>
             <a:endParaRPr lang="de-DE"/>
           </a:p>
@@ -771,7 +775,7 @@
           <a:p>
             <a:fld id="{B23375D0-788C-463C-9363-76E394C21F96}" type="datetimeFigureOut">
               <a:rPr lang="de-DE" smtClean="0"/>
-              <a:t>24.03.18</a:t>
+              <a:t>24.03.2018</a:t>
             </a:fld>
             <a:endParaRPr lang="de-DE"/>
           </a:p>
@@ -813,7 +817,7 @@
           <a:p>
             <a:fld id="{BB770AC0-BAF5-467D-8D09-11B1889686D8}" type="slidenum">
               <a:rPr lang="de-DE" smtClean="0"/>
-              <a:t>‹#›</a:t>
+              <a:t>‹nr.›</a:t>
             </a:fld>
             <a:endParaRPr lang="de-DE"/>
           </a:p>
@@ -957,7 +961,7 @@
           <a:p>
             <a:fld id="{B23375D0-788C-463C-9363-76E394C21F96}" type="datetimeFigureOut">
               <a:rPr lang="de-DE" smtClean="0"/>
-              <a:t>24.03.18</a:t>
+              <a:t>24.03.2018</a:t>
             </a:fld>
             <a:endParaRPr lang="de-DE"/>
           </a:p>
@@ -999,7 +1003,7 @@
           <a:p>
             <a:fld id="{BB770AC0-BAF5-467D-8D09-11B1889686D8}" type="slidenum">
               <a:rPr lang="de-DE" smtClean="0"/>
-              <a:t>‹#›</a:t>
+              <a:t>‹nr.›</a:t>
             </a:fld>
             <a:endParaRPr lang="de-DE"/>
           </a:p>
@@ -1112,7 +1116,7 @@
           <a:p>
             <a:fld id="{B23375D0-788C-463C-9363-76E394C21F96}" type="datetimeFigureOut">
               <a:rPr lang="de-DE" smtClean="0"/>
-              <a:t>24.03.18</a:t>
+              <a:t>24.03.2018</a:t>
             </a:fld>
             <a:endParaRPr lang="de-DE"/>
           </a:p>
@@ -1154,7 +1158,7 @@
           <a:p>
             <a:fld id="{BB770AC0-BAF5-467D-8D09-11B1889686D8}" type="slidenum">
               <a:rPr lang="de-DE" smtClean="0"/>
-              <a:t>‹#›</a:t>
+              <a:t>‹nr.›</a:t>
             </a:fld>
             <a:endParaRPr lang="de-DE"/>
           </a:p>
@@ -1403,7 +1407,7 @@
           <a:p>
             <a:fld id="{B23375D0-788C-463C-9363-76E394C21F96}" type="datetimeFigureOut">
               <a:rPr lang="de-DE" smtClean="0"/>
-              <a:t>24.03.18</a:t>
+              <a:t>24.03.2018</a:t>
             </a:fld>
             <a:endParaRPr lang="de-DE"/>
           </a:p>
@@ -1445,7 +1449,7 @@
           <a:p>
             <a:fld id="{BB770AC0-BAF5-467D-8D09-11B1889686D8}" type="slidenum">
               <a:rPr lang="de-DE" smtClean="0"/>
-              <a:t>‹#›</a:t>
+              <a:t>‹nr.›</a:t>
             </a:fld>
             <a:endParaRPr lang="de-DE"/>
           </a:p>
@@ -1618,7 +1622,7 @@
           <a:p>
             <a:fld id="{B23375D0-788C-463C-9363-76E394C21F96}" type="datetimeFigureOut">
               <a:rPr lang="de-DE" smtClean="0"/>
-              <a:t>24.03.18</a:t>
+              <a:t>24.03.2018</a:t>
             </a:fld>
             <a:endParaRPr lang="de-DE"/>
           </a:p>
@@ -1660,7 +1664,7 @@
           <a:p>
             <a:fld id="{BB770AC0-BAF5-467D-8D09-11B1889686D8}" type="slidenum">
               <a:rPr lang="de-DE" smtClean="0"/>
-              <a:t>‹#›</a:t>
+              <a:t>‹nr.›</a:t>
             </a:fld>
             <a:endParaRPr lang="de-DE"/>
           </a:p>
@@ -2008,7 +2012,7 @@
           <a:p>
             <a:fld id="{B23375D0-788C-463C-9363-76E394C21F96}" type="datetimeFigureOut">
               <a:rPr lang="de-DE" smtClean="0"/>
-              <a:t>24.03.18</a:t>
+              <a:t>24.03.2018</a:t>
             </a:fld>
             <a:endParaRPr lang="de-DE"/>
           </a:p>
@@ -2050,7 +2054,7 @@
           <a:p>
             <a:fld id="{BB770AC0-BAF5-467D-8D09-11B1889686D8}" type="slidenum">
               <a:rPr lang="de-DE" smtClean="0"/>
-              <a:t>‹#›</a:t>
+              <a:t>‹nr.›</a:t>
             </a:fld>
             <a:endParaRPr lang="de-DE"/>
           </a:p>
@@ -2142,7 +2146,7 @@
           <a:p>
             <a:fld id="{B23375D0-788C-463C-9363-76E394C21F96}" type="datetimeFigureOut">
               <a:rPr lang="de-DE" smtClean="0"/>
-              <a:t>24.03.18</a:t>
+              <a:t>24.03.2018</a:t>
             </a:fld>
             <a:endParaRPr lang="de-DE"/>
           </a:p>
@@ -2184,7 +2188,7 @@
           <a:p>
             <a:fld id="{BB770AC0-BAF5-467D-8D09-11B1889686D8}" type="slidenum">
               <a:rPr lang="de-DE" smtClean="0"/>
-              <a:t>‹#›</a:t>
+              <a:t>‹nr.›</a:t>
             </a:fld>
             <a:endParaRPr lang="de-DE"/>
           </a:p>
@@ -2276,7 +2280,7 @@
           <a:p>
             <a:fld id="{B23375D0-788C-463C-9363-76E394C21F96}" type="datetimeFigureOut">
               <a:rPr lang="de-DE" smtClean="0"/>
-              <a:t>24.03.18</a:t>
+              <a:t>24.03.2018</a:t>
             </a:fld>
             <a:endParaRPr lang="de-DE"/>
           </a:p>
@@ -2318,7 +2322,7 @@
           <a:p>
             <a:fld id="{BB770AC0-BAF5-467D-8D09-11B1889686D8}" type="slidenum">
               <a:rPr lang="de-DE" smtClean="0"/>
-              <a:t>‹#›</a:t>
+              <a:t>‹nr.›</a:t>
             </a:fld>
             <a:endParaRPr lang="de-DE"/>
           </a:p>
@@ -2562,7 +2566,7 @@
           <a:p>
             <a:fld id="{B23375D0-788C-463C-9363-76E394C21F96}" type="datetimeFigureOut">
               <a:rPr lang="de-DE" smtClean="0"/>
-              <a:t>24.03.18</a:t>
+              <a:t>24.03.2018</a:t>
             </a:fld>
             <a:endParaRPr lang="de-DE"/>
           </a:p>
@@ -2604,7 +2608,7 @@
           <a:p>
             <a:fld id="{BB770AC0-BAF5-467D-8D09-11B1889686D8}" type="slidenum">
               <a:rPr lang="de-DE" smtClean="0"/>
-              <a:t>‹#›</a:t>
+              <a:t>‹nr.›</a:t>
             </a:fld>
             <a:endParaRPr lang="de-DE"/>
           </a:p>
@@ -2828,7 +2832,7 @@
           <a:p>
             <a:fld id="{B23375D0-788C-463C-9363-76E394C21F96}" type="datetimeFigureOut">
               <a:rPr lang="de-DE" smtClean="0"/>
-              <a:t>24.03.18</a:t>
+              <a:t>24.03.2018</a:t>
             </a:fld>
             <a:endParaRPr lang="de-DE"/>
           </a:p>
@@ -2870,7 +2874,7 @@
           <a:p>
             <a:fld id="{BB770AC0-BAF5-467D-8D09-11B1889686D8}" type="slidenum">
               <a:rPr lang="de-DE" smtClean="0"/>
-              <a:t>‹#›</a:t>
+              <a:t>‹nr.›</a:t>
             </a:fld>
             <a:endParaRPr lang="de-DE"/>
           </a:p>
@@ -3042,7 +3046,7 @@
             <a:fld id="{B23375D0-788C-463C-9363-76E394C21F96}" type="datetimeFigureOut">
               <a:rPr lang="de-DE" smtClean="0"/>
               <a:pPr/>
-              <a:t>24.03.18</a:t>
+              <a:t>24.03.2018</a:t>
             </a:fld>
             <a:endParaRPr lang="de-DE"/>
           </a:p>
@@ -3125,7 +3129,7 @@
             <a:fld id="{BB770AC0-BAF5-467D-8D09-11B1889686D8}" type="slidenum">
               <a:rPr lang="de-DE" smtClean="0"/>
               <a:pPr/>
-              <a:t>‹#›</a:t>
+              <a:t>‹nr.›</a:t>
             </a:fld>
             <a:endParaRPr lang="de-DE" dirty="0"/>
           </a:p>
@@ -3614,27 +3618,19 @@
         </p:nvSpPr>
         <p:spPr>
           <a:xfrm>
-            <a:off x="997026" y="2693453"/>
+            <a:off x="997026" y="2004340"/>
             <a:ext cx="10197947" cy="2387600"/>
           </a:xfrm>
         </p:spPr>
         <p:txBody>
           <a:bodyPr>
-            <a:normAutofit fontScale="90000"/>
+            <a:normAutofit/>
           </a:bodyPr>
           <a:lstStyle/>
           <a:p>
             <a:r>
               <a:rPr lang="de-DE" dirty="0" err="1"/>
-              <a:t>When</a:t>
-            </a:r>
-            <a:r>
-              <a:rPr lang="de-DE" dirty="0"/>
-              <a:t> international </a:t>
-            </a:r>
-            <a:r>
-              <a:rPr lang="de-DE" dirty="0" err="1"/>
-              <a:t>malicious</a:t>
+              <a:t>Is</a:t>
             </a:r>
             <a:r>
               <a:rPr lang="de-DE" dirty="0"/>
@@ -3642,7 +3638,7 @@
             </a:r>
             <a:r>
               <a:rPr lang="de-DE" dirty="0" err="1"/>
-              <a:t>cyber</a:t>
+              <a:t>your</a:t>
             </a:r>
             <a:r>
               <a:rPr lang="de-DE" dirty="0"/>
@@ -3650,7 +3646,7 @@
             </a:r>
             <a:r>
               <a:rPr lang="de-DE" dirty="0" err="1"/>
-              <a:t>activity</a:t>
+              <a:t>computer</a:t>
             </a:r>
             <a:r>
               <a:rPr lang="de-DE" dirty="0"/>
@@ -3658,15 +3654,7 @@
             </a:r>
             <a:r>
               <a:rPr lang="de-DE" dirty="0" err="1"/>
-              <a:t>is</a:t>
-            </a:r>
-            <a:r>
-              <a:rPr lang="de-DE" dirty="0"/>
-              <a:t> high, countries </a:t>
-            </a:r>
-            <a:r>
-              <a:rPr lang="de-DE" dirty="0" err="1"/>
-              <a:t>with</a:t>
+              <a:t>being</a:t>
             </a:r>
             <a:r>
               <a:rPr lang="de-DE" dirty="0"/>
@@ -3674,7 +3662,7 @@
             </a:r>
             <a:r>
               <a:rPr lang="de-DE" dirty="0" err="1"/>
-              <a:t>more</a:t>
+              <a:t>used</a:t>
             </a:r>
             <a:r>
               <a:rPr lang="de-DE" dirty="0"/>
@@ -3682,7 +3670,7 @@
             </a:r>
             <a:r>
               <a:rPr lang="de-DE" dirty="0" err="1"/>
-              <a:t>secure</a:t>
+              <a:t>by</a:t>
             </a:r>
             <a:r>
               <a:rPr lang="de-DE" dirty="0"/>
@@ -3690,47 +3678,38 @@
             </a:r>
             <a:r>
               <a:rPr lang="de-DE" dirty="0" err="1"/>
-              <a:t>internet</a:t>
+              <a:t>hackers</a:t>
             </a:r>
             <a:r>
               <a:rPr lang="de-DE" dirty="0"/>
+              <a:t>?</a:t>
+            </a:r>
+            <a:br>
+              <a:rPr lang="de-DE" dirty="0"/>
+            </a:br>
+            <a:r>
+              <a:rPr lang="de-DE" sz="3600" dirty="0"/>
+              <a:t>Secure </a:t>
+            </a:r>
+            <a:r>
+              <a:rPr lang="de-DE" sz="3600" dirty="0" err="1"/>
+              <a:t>servers</a:t>
+            </a:r>
+            <a:r>
+              <a:rPr lang="de-DE" sz="3600" dirty="0"/>
+              <a:t> and </a:t>
+            </a:r>
+            <a:r>
+              <a:rPr lang="de-DE" sz="3600" dirty="0" err="1"/>
+              <a:t>cyber</a:t>
+            </a:r>
+            <a:r>
+              <a:rPr lang="de-DE" sz="3600" dirty="0"/>
               <a:t> </a:t>
             </a:r>
             <a:r>
-              <a:rPr lang="de-DE" dirty="0" err="1"/>
-              <a:t>servers</a:t>
-            </a:r>
-            <a:r>
-              <a:rPr lang="de-DE" dirty="0"/>
-              <a:t> per </a:t>
-            </a:r>
-            <a:r>
-              <a:rPr lang="de-DE" dirty="0" err="1"/>
-              <a:t>capita</a:t>
-            </a:r>
-            <a:r>
-              <a:rPr lang="de-DE" dirty="0"/>
-              <a:t> </a:t>
-            </a:r>
-            <a:r>
-              <a:rPr lang="de-DE" dirty="0" err="1"/>
-              <a:t>are</a:t>
-            </a:r>
-            <a:r>
-              <a:rPr lang="de-DE" dirty="0"/>
-              <a:t> </a:t>
-            </a:r>
-            <a:r>
-              <a:rPr lang="de-DE" dirty="0" err="1"/>
-              <a:t>used</a:t>
-            </a:r>
-            <a:r>
-              <a:rPr lang="de-DE" dirty="0"/>
-              <a:t> </a:t>
-            </a:r>
-            <a:r>
-              <a:rPr lang="de-DE" dirty="0" err="1"/>
-              <a:t>less</a:t>
+              <a:rPr lang="de-DE" sz="3600" dirty="0" err="1"/>
+              <a:t>attacks</a:t>
             </a:r>
             <a:endParaRPr lang="de-DE" dirty="0"/>
           </a:p>
@@ -3868,6 +3847,84 @@
               <a:rPr lang="de-DE" dirty="0"/>
               <a:t> </a:t>
             </a:r>
+          </a:p>
+          <a:p>
+            <a:endParaRPr lang="de-DE" dirty="0"/>
+          </a:p>
+          <a:p>
+            <a:r>
+              <a:rPr lang="de-DE" dirty="0"/>
+              <a:t>NL: </a:t>
+            </a:r>
+            <a:r>
+              <a:rPr lang="de-DE" dirty="0" err="1"/>
+              <a:t>small</a:t>
+            </a:r>
+            <a:r>
+              <a:rPr lang="de-DE" dirty="0"/>
+              <a:t> </a:t>
+            </a:r>
+            <a:r>
+              <a:rPr lang="de-DE" dirty="0" err="1"/>
+              <a:t>number</a:t>
+            </a:r>
+            <a:r>
+              <a:rPr lang="de-DE" dirty="0"/>
+              <a:t> </a:t>
+            </a:r>
+            <a:r>
+              <a:rPr lang="de-DE" dirty="0" err="1"/>
+              <a:t>of</a:t>
+            </a:r>
+            <a:r>
+              <a:rPr lang="de-DE" dirty="0"/>
+              <a:t> </a:t>
+            </a:r>
+            <a:r>
+              <a:rPr lang="de-DE" dirty="0" err="1"/>
+              <a:t>unique</a:t>
+            </a:r>
+            <a:r>
+              <a:rPr lang="de-DE" dirty="0"/>
+              <a:t> IP </a:t>
+            </a:r>
+            <a:r>
+              <a:rPr lang="de-DE" dirty="0" err="1"/>
+              <a:t>addresses</a:t>
+            </a:r>
+            <a:r>
+              <a:rPr lang="de-DE" dirty="0"/>
+              <a:t>, </a:t>
+            </a:r>
+            <a:r>
+              <a:rPr lang="de-DE" dirty="0" err="1"/>
+              <a:t>relatively</a:t>
+            </a:r>
+            <a:r>
+              <a:rPr lang="de-DE" dirty="0"/>
+              <a:t> large </a:t>
+            </a:r>
+            <a:r>
+              <a:rPr lang="de-DE" dirty="0" err="1"/>
+              <a:t>number</a:t>
+            </a:r>
+            <a:r>
+              <a:rPr lang="de-DE" dirty="0"/>
+              <a:t> </a:t>
+            </a:r>
+            <a:r>
+              <a:rPr lang="de-DE" dirty="0" err="1"/>
+              <a:t>of</a:t>
+            </a:r>
+            <a:r>
+              <a:rPr lang="de-DE" dirty="0"/>
+              <a:t> </a:t>
+            </a:r>
+            <a:r>
+              <a:rPr lang="de-DE" dirty="0" err="1"/>
+              <a:t>attacks</a:t>
+            </a:r>
+            <a:endParaRPr lang="de-DE" dirty="0"/>
           </a:p>
         </p:txBody>
       </p:sp>

--- a/presentation/20180325-datafest2018-theresolutemean.pptx
+++ b/presentation/20180325-datafest2018-theresolutemean.pptx
@@ -7,6 +7,7 @@
   <p:sldIdLst>
     <p:sldId id="256" r:id="rId2"/>
     <p:sldId id="257" r:id="rId3"/>
+    <p:sldId id="258" r:id="rId4"/>
   </p:sldIdLst>
   <p:sldSz cx="12192000" cy="6858000"/>
   <p:notesSz cx="6858000" cy="9144000"/>
@@ -122,10 +123,6 @@
     </p:ext>
   </p:extLst>
 </p:presentation>
-</file>
-
-<file path=ppt/revisionInfo.xml><?xml version="1.0" encoding="utf-8"?>
-<p1510:revInfo xmlns:a="http://schemas.openxmlformats.org/drawingml/2006/main" xmlns:r="http://schemas.openxmlformats.org/officeDocument/2006/relationships" xmlns:p1510="http://schemas.microsoft.com/office/powerpoint/2015/10/main"/>
 </file>
 
 <file path=ppt/changesInfos/changesInfo1.xml><?xml version="1.0" encoding="utf-8"?>
@@ -631,12 +628,120 @@
           <a:p>
             <a:fld id="{BB770AC0-BAF5-467D-8D09-11B1889686D8}" type="slidenum">
               <a:rPr lang="de-DE" smtClean="0"/>
-              <a:t>‹nr.›</a:t>
+              <a:t>‹Nr.›</a:t>
             </a:fld>
             <a:endParaRPr lang="de-DE"/>
           </a:p>
         </p:txBody>
       </p:sp>
+      <p:pic>
+        <p:nvPicPr>
+          <p:cNvPr id="7" name="Grafik 6">
+            <a:extLst>
+              <a:ext uri="{FF2B5EF4-FFF2-40B4-BE49-F238E27FC236}">
+                <a16:creationId xmlns:a16="http://schemas.microsoft.com/office/drawing/2014/main" id="{E956DA31-27ED-415A-96DF-76999C9FD0F0}"/>
+              </a:ext>
+            </a:extLst>
+          </p:cNvPr>
+          <p:cNvPicPr>
+            <a:picLocks noChangeAspect="1"/>
+          </p:cNvPicPr>
+          <p:nvPr userDrawn="1"/>
+        </p:nvPicPr>
+        <p:blipFill>
+          <a:blip r:embed="rId2">
+            <a:extLst>
+              <a:ext uri="{28A0092B-C50C-407E-A947-70E740481C1C}">
+                <a14:useLocalDpi xmlns:a14="http://schemas.microsoft.com/office/drawing/2010/main" val="0"/>
+              </a:ext>
+            </a:extLst>
+          </a:blip>
+          <a:stretch>
+            <a:fillRect/>
+          </a:stretch>
+        </p:blipFill>
+        <p:spPr>
+          <a:xfrm>
+            <a:off x="10203203" y="338658"/>
+            <a:ext cx="1150900" cy="602496"/>
+          </a:xfrm>
+          <a:prstGeom prst="rect">
+            <a:avLst/>
+          </a:prstGeom>
+        </p:spPr>
+      </p:pic>
+      <p:pic>
+        <p:nvPicPr>
+          <p:cNvPr id="8" name="Grafik 7" descr="Ein Bild, das ClipArt enthält.&#10;&#10;Mit hoher Zuverlässigkeit generierte Beschreibung">
+            <a:extLst>
+              <a:ext uri="{FF2B5EF4-FFF2-40B4-BE49-F238E27FC236}">
+                <a16:creationId xmlns:a16="http://schemas.microsoft.com/office/drawing/2014/main" id="{4F1F6476-022A-49F9-998B-9CF60490BEAE}"/>
+              </a:ext>
+            </a:extLst>
+          </p:cNvPr>
+          <p:cNvPicPr>
+            <a:picLocks noChangeAspect="1"/>
+          </p:cNvPicPr>
+          <p:nvPr userDrawn="1"/>
+        </p:nvPicPr>
+        <p:blipFill>
+          <a:blip r:embed="rId3">
+            <a:extLst>
+              <a:ext uri="{28A0092B-C50C-407E-A947-70E740481C1C}">
+                <a14:useLocalDpi xmlns:a14="http://schemas.microsoft.com/office/drawing/2010/main" val="0"/>
+              </a:ext>
+            </a:extLst>
+          </a:blip>
+          <a:stretch>
+            <a:fillRect/>
+          </a:stretch>
+        </p:blipFill>
+        <p:spPr>
+          <a:xfrm>
+            <a:off x="9051936" y="338658"/>
+            <a:ext cx="1151267" cy="602496"/>
+          </a:xfrm>
+          <a:prstGeom prst="rect">
+            <a:avLst/>
+          </a:prstGeom>
+        </p:spPr>
+      </p:pic>
+      <p:pic>
+        <p:nvPicPr>
+          <p:cNvPr id="9" name="Grafik 8">
+            <a:extLst>
+              <a:ext uri="{FF2B5EF4-FFF2-40B4-BE49-F238E27FC236}">
+                <a16:creationId xmlns:a16="http://schemas.microsoft.com/office/drawing/2014/main" id="{D1349BE0-750A-41A4-80D2-2DDF372A8C89}"/>
+              </a:ext>
+            </a:extLst>
+          </p:cNvPr>
+          <p:cNvPicPr>
+            <a:picLocks noChangeAspect="1"/>
+          </p:cNvPicPr>
+          <p:nvPr userDrawn="1"/>
+        </p:nvPicPr>
+        <p:blipFill>
+          <a:blip r:embed="rId4">
+            <a:extLst>
+              <a:ext uri="{28A0092B-C50C-407E-A947-70E740481C1C}">
+                <a14:useLocalDpi xmlns:a14="http://schemas.microsoft.com/office/drawing/2010/main" val="0"/>
+              </a:ext>
+            </a:extLst>
+          </a:blip>
+          <a:stretch>
+            <a:fillRect/>
+          </a:stretch>
+        </p:blipFill>
+        <p:spPr>
+          <a:xfrm>
+            <a:off x="630376" y="350043"/>
+            <a:ext cx="846363" cy="602496"/>
+          </a:xfrm>
+          <a:prstGeom prst="rect">
+            <a:avLst/>
+          </a:prstGeom>
+        </p:spPr>
+      </p:pic>
     </p:spTree>
     <p:extLst>
       <p:ext uri="{BB962C8B-B14F-4D97-AF65-F5344CB8AC3E}">
@@ -817,7 +922,7 @@
           <a:p>
             <a:fld id="{BB770AC0-BAF5-467D-8D09-11B1889686D8}" type="slidenum">
               <a:rPr lang="de-DE" smtClean="0"/>
-              <a:t>‹nr.›</a:t>
+              <a:t>‹Nr.›</a:t>
             </a:fld>
             <a:endParaRPr lang="de-DE"/>
           </a:p>
@@ -1003,7 +1108,7 @@
           <a:p>
             <a:fld id="{BB770AC0-BAF5-467D-8D09-11B1889686D8}" type="slidenum">
               <a:rPr lang="de-DE" smtClean="0"/>
-              <a:t>‹nr.›</a:t>
+              <a:t>‹Nr.›</a:t>
             </a:fld>
             <a:endParaRPr lang="de-DE"/>
           </a:p>
@@ -1051,8 +1156,8 @@
         </p:nvSpPr>
         <p:spPr>
           <a:xfrm>
-            <a:off x="609600" y="1752601"/>
-            <a:ext cx="10965878" cy="4419600"/>
+            <a:off x="609600" y="1493445"/>
+            <a:ext cx="10965878" cy="4678756"/>
           </a:xfrm>
           <a:prstGeom prst="rect">
             <a:avLst/>
@@ -1158,7 +1263,7 @@
           <a:p>
             <a:fld id="{BB770AC0-BAF5-467D-8D09-11B1889686D8}" type="slidenum">
               <a:rPr lang="de-DE" smtClean="0"/>
-              <a:t>‹nr.›</a:t>
+              <a:t>‹Nr.›</a:t>
             </a:fld>
             <a:endParaRPr lang="de-DE"/>
           </a:p>
@@ -1182,8 +1287,8 @@
         </p:nvSpPr>
         <p:spPr>
           <a:xfrm>
-            <a:off x="609600" y="1065120"/>
-            <a:ext cx="10972799" cy="525697"/>
+            <a:off x="630375" y="783600"/>
+            <a:ext cx="10931250" cy="525697"/>
           </a:xfrm>
           <a:prstGeom prst="rect">
             <a:avLst/>
@@ -1191,9 +1296,13 @@
         </p:spPr>
         <p:txBody>
           <a:bodyPr vert="horz" lIns="91440" tIns="45720" rIns="91440" bIns="45720" rtlCol="0" anchor="ctr">
-            <a:normAutofit/>
+            <a:noAutofit/>
           </a:bodyPr>
-          <a:lstStyle/>
+          <a:lstStyle>
+            <a:lvl1pPr>
+              <a:defRPr sz="3200"/>
+            </a:lvl1pPr>
+          </a:lstStyle>
           <a:p>
             <a:r>
               <a:rPr lang="de-DE" dirty="0"/>
@@ -1203,6 +1312,114 @@
           </a:p>
         </p:txBody>
       </p:sp>
+      <p:pic>
+        <p:nvPicPr>
+          <p:cNvPr id="8" name="Grafik 7">
+            <a:extLst>
+              <a:ext uri="{FF2B5EF4-FFF2-40B4-BE49-F238E27FC236}">
+                <a16:creationId xmlns:a16="http://schemas.microsoft.com/office/drawing/2014/main" id="{203D8E7F-3321-428D-89A2-A59F372E0C10}"/>
+              </a:ext>
+            </a:extLst>
+          </p:cNvPr>
+          <p:cNvPicPr>
+            <a:picLocks noChangeAspect="1"/>
+          </p:cNvPicPr>
+          <p:nvPr userDrawn="1"/>
+        </p:nvPicPr>
+        <p:blipFill>
+          <a:blip r:embed="rId2">
+            <a:extLst>
+              <a:ext uri="{28A0092B-C50C-407E-A947-70E740481C1C}">
+                <a14:useLocalDpi xmlns:a14="http://schemas.microsoft.com/office/drawing/2010/main" val="0"/>
+              </a:ext>
+            </a:extLst>
+          </a:blip>
+          <a:stretch>
+            <a:fillRect/>
+          </a:stretch>
+        </p:blipFill>
+        <p:spPr>
+          <a:xfrm>
+            <a:off x="10821313" y="211898"/>
+            <a:ext cx="740312" cy="387553"/>
+          </a:xfrm>
+          <a:prstGeom prst="rect">
+            <a:avLst/>
+          </a:prstGeom>
+        </p:spPr>
+      </p:pic>
+      <p:pic>
+        <p:nvPicPr>
+          <p:cNvPr id="9" name="Grafik 8" descr="Ein Bild, das ClipArt enthält.&#10;&#10;Mit hoher Zuverlässigkeit generierte Beschreibung">
+            <a:extLst>
+              <a:ext uri="{FF2B5EF4-FFF2-40B4-BE49-F238E27FC236}">
+                <a16:creationId xmlns:a16="http://schemas.microsoft.com/office/drawing/2014/main" id="{0E41E900-2C12-4075-9DE5-596692B1615A}"/>
+              </a:ext>
+            </a:extLst>
+          </p:cNvPr>
+          <p:cNvPicPr>
+            <a:picLocks noChangeAspect="1"/>
+          </p:cNvPicPr>
+          <p:nvPr userDrawn="1"/>
+        </p:nvPicPr>
+        <p:blipFill>
+          <a:blip r:embed="rId3">
+            <a:extLst>
+              <a:ext uri="{28A0092B-C50C-407E-A947-70E740481C1C}">
+                <a14:useLocalDpi xmlns:a14="http://schemas.microsoft.com/office/drawing/2010/main" val="0"/>
+              </a:ext>
+            </a:extLst>
+          </a:blip>
+          <a:stretch>
+            <a:fillRect/>
+          </a:stretch>
+        </p:blipFill>
+        <p:spPr>
+          <a:xfrm>
+            <a:off x="9988839" y="211898"/>
+            <a:ext cx="740548" cy="387553"/>
+          </a:xfrm>
+          <a:prstGeom prst="rect">
+            <a:avLst/>
+          </a:prstGeom>
+        </p:spPr>
+      </p:pic>
+      <p:pic>
+        <p:nvPicPr>
+          <p:cNvPr id="10" name="Grafik 9">
+            <a:extLst>
+              <a:ext uri="{FF2B5EF4-FFF2-40B4-BE49-F238E27FC236}">
+                <a16:creationId xmlns:a16="http://schemas.microsoft.com/office/drawing/2014/main" id="{855B5786-7B4A-4125-B0FB-B468EE699EF5}"/>
+              </a:ext>
+            </a:extLst>
+          </p:cNvPr>
+          <p:cNvPicPr>
+            <a:picLocks noChangeAspect="1"/>
+          </p:cNvPicPr>
+          <p:nvPr userDrawn="1"/>
+        </p:nvPicPr>
+        <p:blipFill>
+          <a:blip r:embed="rId4">
+            <a:extLst>
+              <a:ext uri="{28A0092B-C50C-407E-A947-70E740481C1C}">
+                <a14:useLocalDpi xmlns:a14="http://schemas.microsoft.com/office/drawing/2010/main" val="0"/>
+              </a:ext>
+            </a:extLst>
+          </a:blip>
+          <a:stretch>
+            <a:fillRect/>
+          </a:stretch>
+        </p:blipFill>
+        <p:spPr>
+          <a:xfrm>
+            <a:off x="630375" y="211899"/>
+            <a:ext cx="544420" cy="387553"/>
+          </a:xfrm>
+          <a:prstGeom prst="rect">
+            <a:avLst/>
+          </a:prstGeom>
+        </p:spPr>
+      </p:pic>
     </p:spTree>
     <p:extLst>
       <p:ext uri="{BB962C8B-B14F-4D97-AF65-F5344CB8AC3E}">
@@ -1449,7 +1666,7 @@
           <a:p>
             <a:fld id="{BB770AC0-BAF5-467D-8D09-11B1889686D8}" type="slidenum">
               <a:rPr lang="de-DE" smtClean="0"/>
-              <a:t>‹nr.›</a:t>
+              <a:t>‹Nr.›</a:t>
             </a:fld>
             <a:endParaRPr lang="de-DE"/>
           </a:p>
@@ -1664,7 +1881,7 @@
           <a:p>
             <a:fld id="{BB770AC0-BAF5-467D-8D09-11B1889686D8}" type="slidenum">
               <a:rPr lang="de-DE" smtClean="0"/>
-              <a:t>‹nr.›</a:t>
+              <a:t>‹Nr.›</a:t>
             </a:fld>
             <a:endParaRPr lang="de-DE"/>
           </a:p>
@@ -2054,7 +2271,7 @@
           <a:p>
             <a:fld id="{BB770AC0-BAF5-467D-8D09-11B1889686D8}" type="slidenum">
               <a:rPr lang="de-DE" smtClean="0"/>
-              <a:t>‹nr.›</a:t>
+              <a:t>‹Nr.›</a:t>
             </a:fld>
             <a:endParaRPr lang="de-DE"/>
           </a:p>
@@ -2188,7 +2405,7 @@
           <a:p>
             <a:fld id="{BB770AC0-BAF5-467D-8D09-11B1889686D8}" type="slidenum">
               <a:rPr lang="de-DE" smtClean="0"/>
-              <a:t>‹nr.›</a:t>
+              <a:t>‹Nr.›</a:t>
             </a:fld>
             <a:endParaRPr lang="de-DE"/>
           </a:p>
@@ -2322,7 +2539,7 @@
           <a:p>
             <a:fld id="{BB770AC0-BAF5-467D-8D09-11B1889686D8}" type="slidenum">
               <a:rPr lang="de-DE" smtClean="0"/>
-              <a:t>‹nr.›</a:t>
+              <a:t>‹Nr.›</a:t>
             </a:fld>
             <a:endParaRPr lang="de-DE"/>
           </a:p>
@@ -2608,7 +2825,7 @@
           <a:p>
             <a:fld id="{BB770AC0-BAF5-467D-8D09-11B1889686D8}" type="slidenum">
               <a:rPr lang="de-DE" smtClean="0"/>
-              <a:t>‹nr.›</a:t>
+              <a:t>‹Nr.›</a:t>
             </a:fld>
             <a:endParaRPr lang="de-DE"/>
           </a:p>
@@ -2874,7 +3091,7 @@
           <a:p>
             <a:fld id="{BB770AC0-BAF5-467D-8D09-11B1889686D8}" type="slidenum">
               <a:rPr lang="de-DE" smtClean="0"/>
-              <a:t>‹nr.›</a:t>
+              <a:t>‹Nr.›</a:t>
             </a:fld>
             <a:endParaRPr lang="de-DE"/>
           </a:p>
@@ -3129,120 +3346,12 @@
             <a:fld id="{BB770AC0-BAF5-467D-8D09-11B1889686D8}" type="slidenum">
               <a:rPr lang="de-DE" smtClean="0"/>
               <a:pPr/>
-              <a:t>‹nr.›</a:t>
+              <a:t>‹Nr.›</a:t>
             </a:fld>
             <a:endParaRPr lang="de-DE" dirty="0"/>
           </a:p>
         </p:txBody>
       </p:sp>
-      <p:pic>
-        <p:nvPicPr>
-          <p:cNvPr id="12" name="Grafik 11">
-            <a:extLst>
-              <a:ext uri="{FF2B5EF4-FFF2-40B4-BE49-F238E27FC236}">
-                <a16:creationId xmlns:a16="http://schemas.microsoft.com/office/drawing/2014/main" id="{2DB58C17-9DED-4CC3-8CA9-353C8C5DD147}"/>
-              </a:ext>
-            </a:extLst>
-          </p:cNvPr>
-          <p:cNvPicPr>
-            <a:picLocks noChangeAspect="1"/>
-          </p:cNvPicPr>
-          <p:nvPr userDrawn="1"/>
-        </p:nvPicPr>
-        <p:blipFill>
-          <a:blip r:embed="rId13">
-            <a:extLst>
-              <a:ext uri="{28A0092B-C50C-407E-A947-70E740481C1C}">
-                <a14:useLocalDpi xmlns:a14="http://schemas.microsoft.com/office/drawing/2010/main" val="0"/>
-              </a:ext>
-            </a:extLst>
-          </a:blip>
-          <a:stretch>
-            <a:fillRect/>
-          </a:stretch>
-        </p:blipFill>
-        <p:spPr>
-          <a:xfrm>
-            <a:off x="10203203" y="338658"/>
-            <a:ext cx="1150900" cy="602496"/>
-          </a:xfrm>
-          <a:prstGeom prst="rect">
-            <a:avLst/>
-          </a:prstGeom>
-        </p:spPr>
-      </p:pic>
-      <p:pic>
-        <p:nvPicPr>
-          <p:cNvPr id="14" name="Grafik 13" descr="Ein Bild, das ClipArt enthält.&#10;&#10;Mit hoher Zuverlässigkeit generierte Beschreibung">
-            <a:extLst>
-              <a:ext uri="{FF2B5EF4-FFF2-40B4-BE49-F238E27FC236}">
-                <a16:creationId xmlns:a16="http://schemas.microsoft.com/office/drawing/2014/main" id="{1F3F134A-1668-4E99-BB5F-484905119F1E}"/>
-              </a:ext>
-            </a:extLst>
-          </p:cNvPr>
-          <p:cNvPicPr>
-            <a:picLocks noChangeAspect="1"/>
-          </p:cNvPicPr>
-          <p:nvPr userDrawn="1"/>
-        </p:nvPicPr>
-        <p:blipFill>
-          <a:blip r:embed="rId14">
-            <a:extLst>
-              <a:ext uri="{28A0092B-C50C-407E-A947-70E740481C1C}">
-                <a14:useLocalDpi xmlns:a14="http://schemas.microsoft.com/office/drawing/2010/main" val="0"/>
-              </a:ext>
-            </a:extLst>
-          </a:blip>
-          <a:stretch>
-            <a:fillRect/>
-          </a:stretch>
-        </p:blipFill>
-        <p:spPr>
-          <a:xfrm>
-            <a:off x="9051936" y="338658"/>
-            <a:ext cx="1151267" cy="602496"/>
-          </a:xfrm>
-          <a:prstGeom prst="rect">
-            <a:avLst/>
-          </a:prstGeom>
-        </p:spPr>
-      </p:pic>
-      <p:pic>
-        <p:nvPicPr>
-          <p:cNvPr id="18" name="Grafik 17">
-            <a:extLst>
-              <a:ext uri="{FF2B5EF4-FFF2-40B4-BE49-F238E27FC236}">
-                <a16:creationId xmlns:a16="http://schemas.microsoft.com/office/drawing/2014/main" id="{BF19CECA-B879-42BA-9E22-24FEFC148EF6}"/>
-              </a:ext>
-            </a:extLst>
-          </p:cNvPr>
-          <p:cNvPicPr>
-            <a:picLocks noChangeAspect="1"/>
-          </p:cNvPicPr>
-          <p:nvPr userDrawn="1"/>
-        </p:nvPicPr>
-        <p:blipFill>
-          <a:blip r:embed="rId15">
-            <a:extLst>
-              <a:ext uri="{28A0092B-C50C-407E-A947-70E740481C1C}">
-                <a14:useLocalDpi xmlns:a14="http://schemas.microsoft.com/office/drawing/2010/main" val="0"/>
-              </a:ext>
-            </a:extLst>
-          </a:blip>
-          <a:stretch>
-            <a:fillRect/>
-          </a:stretch>
-        </p:blipFill>
-        <p:spPr>
-          <a:xfrm>
-            <a:off x="630376" y="350043"/>
-            <a:ext cx="846363" cy="602496"/>
-          </a:xfrm>
-          <a:prstGeom prst="rect">
-            <a:avLst/>
-          </a:prstGeom>
-        </p:spPr>
-      </p:pic>
     </p:spTree>
     <p:extLst>
       <p:ext uri="{BB962C8B-B14F-4D97-AF65-F5344CB8AC3E}">
@@ -3544,7 +3653,7 @@
       </a:lvl9pPr>
     </p:otherStyle>
   </p:txStyles>
-  <p:extLst>
+  <p:extLst mod="1">
     <p:ext uri="{27BBF7A9-308A-43DC-89C8-2F10F3537804}">
       <p15:sldGuideLst xmlns:p15="http://schemas.microsoft.com/office/powerpoint/2012/main">
         <p15:guide id="1" pos="3840" userDrawn="1">
@@ -3799,157 +3908,136 @@
             <a:spLocks noGrp="1"/>
           </p:cNvSpPr>
           <p:nvPr>
-            <p:ph sz="half" idx="1"/>
-          </p:nvPr>
-        </p:nvSpPr>
-        <p:spPr/>
-        <p:txBody>
-          <a:bodyPr/>
-          <a:lstStyle/>
-          <a:p>
-            <a:r>
-              <a:rPr lang="de-DE" dirty="0" err="1"/>
+            <p:ph idx="1"/>
+          </p:nvPr>
+        </p:nvSpPr>
+        <p:spPr>
+          <a:xfrm>
+            <a:off x="609600" y="1752599"/>
+            <a:ext cx="5410199" cy="1572491"/>
+          </a:xfrm>
+        </p:spPr>
+        <p:txBody>
+          <a:bodyPr>
+            <a:normAutofit/>
+          </a:bodyPr>
+          <a:lstStyle/>
+          <a:p>
+            <a:r>
+              <a:rPr lang="de-DE" sz="2000" dirty="0" err="1"/>
               <a:t>Histogram</a:t>
             </a:r>
             <a:r>
-              <a:rPr lang="de-DE" dirty="0"/>
+              <a:rPr lang="de-DE" sz="2000" dirty="0"/>
               <a:t>: </a:t>
             </a:r>
             <a:r>
-              <a:rPr lang="de-DE" dirty="0" err="1"/>
+              <a:rPr lang="de-DE" sz="2000" dirty="0" err="1"/>
               <a:t>number</a:t>
             </a:r>
             <a:r>
-              <a:rPr lang="de-DE" dirty="0"/>
+              <a:rPr lang="de-DE" sz="2000" dirty="0"/>
               <a:t> </a:t>
             </a:r>
             <a:r>
-              <a:rPr lang="de-DE" dirty="0" err="1"/>
+              <a:rPr lang="de-DE" sz="2000" dirty="0" err="1"/>
               <a:t>of</a:t>
             </a:r>
             <a:r>
-              <a:rPr lang="de-DE" dirty="0"/>
+              <a:rPr lang="de-DE" sz="2000" dirty="0"/>
               <a:t> </a:t>
             </a:r>
             <a:r>
-              <a:rPr lang="de-DE" dirty="0" err="1"/>
+              <a:rPr lang="de-DE" sz="2000" dirty="0" err="1"/>
               <a:t>secure</a:t>
             </a:r>
             <a:r>
-              <a:rPr lang="de-DE" dirty="0"/>
+              <a:rPr lang="de-DE" sz="2000" dirty="0"/>
               <a:t> </a:t>
             </a:r>
             <a:r>
-              <a:rPr lang="de-DE" dirty="0" err="1"/>
+              <a:rPr lang="de-DE" sz="2000" dirty="0" err="1"/>
               <a:t>servers</a:t>
             </a:r>
             <a:r>
-              <a:rPr lang="de-DE" dirty="0"/>
+              <a:rPr lang="de-DE" sz="2000" dirty="0"/>
               <a:t> </a:t>
             </a:r>
           </a:p>
           <a:p>
-            <a:endParaRPr lang="de-DE" dirty="0"/>
-          </a:p>
-          <a:p>
-            <a:r>
-              <a:rPr lang="de-DE" dirty="0"/>
+            <a:r>
+              <a:rPr lang="de-DE" sz="2000" dirty="0"/>
               <a:t>NL: </a:t>
             </a:r>
             <a:r>
-              <a:rPr lang="de-DE" dirty="0" err="1"/>
+              <a:rPr lang="de-DE" sz="2000" dirty="0" err="1"/>
               <a:t>small</a:t>
             </a:r>
             <a:r>
-              <a:rPr lang="de-DE" dirty="0"/>
+              <a:rPr lang="de-DE" sz="2000" dirty="0"/>
               <a:t> </a:t>
             </a:r>
             <a:r>
-              <a:rPr lang="de-DE" dirty="0" err="1"/>
+              <a:rPr lang="de-DE" sz="2000" dirty="0" err="1"/>
               <a:t>number</a:t>
             </a:r>
             <a:r>
-              <a:rPr lang="de-DE" dirty="0"/>
+              <a:rPr lang="de-DE" sz="2000" dirty="0"/>
               <a:t> </a:t>
             </a:r>
             <a:r>
-              <a:rPr lang="de-DE" dirty="0" err="1"/>
+              <a:rPr lang="de-DE" sz="2000" dirty="0" err="1"/>
               <a:t>of</a:t>
             </a:r>
             <a:r>
-              <a:rPr lang="de-DE" dirty="0"/>
+              <a:rPr lang="de-DE" sz="2000" dirty="0"/>
               <a:t> </a:t>
             </a:r>
             <a:r>
-              <a:rPr lang="de-DE" dirty="0" err="1"/>
+              <a:rPr lang="de-DE" sz="2000" dirty="0" err="1"/>
               <a:t>unique</a:t>
             </a:r>
             <a:r>
-              <a:rPr lang="de-DE" dirty="0"/>
+              <a:rPr lang="de-DE" sz="2000" dirty="0"/>
               <a:t> IP </a:t>
             </a:r>
             <a:r>
-              <a:rPr lang="de-DE" dirty="0" err="1"/>
+              <a:rPr lang="de-DE" sz="2000" dirty="0" err="1"/>
               <a:t>addresses</a:t>
             </a:r>
             <a:r>
-              <a:rPr lang="de-DE" dirty="0"/>
+              <a:rPr lang="de-DE" sz="2000" dirty="0"/>
               <a:t>, </a:t>
             </a:r>
             <a:r>
-              <a:rPr lang="de-DE" dirty="0" err="1"/>
+              <a:rPr lang="de-DE" sz="2000" dirty="0" err="1"/>
               <a:t>relatively</a:t>
             </a:r>
             <a:r>
-              <a:rPr lang="de-DE" dirty="0"/>
+              <a:rPr lang="de-DE" sz="2000" dirty="0"/>
               <a:t> large </a:t>
             </a:r>
             <a:r>
-              <a:rPr lang="de-DE" dirty="0" err="1"/>
+              <a:rPr lang="de-DE" sz="2000" dirty="0" err="1"/>
               <a:t>number</a:t>
             </a:r>
             <a:r>
-              <a:rPr lang="de-DE" dirty="0"/>
+              <a:rPr lang="de-DE" sz="2000" dirty="0"/>
               <a:t> </a:t>
             </a:r>
             <a:r>
-              <a:rPr lang="de-DE" dirty="0" err="1"/>
+              <a:rPr lang="de-DE" sz="2000" dirty="0" err="1"/>
               <a:t>of</a:t>
             </a:r>
             <a:r>
-              <a:rPr lang="de-DE" dirty="0"/>
+              <a:rPr lang="de-DE" sz="2000" dirty="0"/>
               <a:t> </a:t>
             </a:r>
             <a:r>
-              <a:rPr lang="de-DE" dirty="0" err="1"/>
+              <a:rPr lang="de-DE" sz="2000" dirty="0" err="1"/>
               <a:t>attacks</a:t>
             </a:r>
-            <a:endParaRPr lang="de-DE" dirty="0"/>
-          </a:p>
-        </p:txBody>
-      </p:sp>
-      <p:sp>
-        <p:nvSpPr>
-          <p:cNvPr id="9" name="Inhaltsplatzhalter 8">
-            <a:extLst>
-              <a:ext uri="{FF2B5EF4-FFF2-40B4-BE49-F238E27FC236}">
-                <a16:creationId xmlns:a16="http://schemas.microsoft.com/office/drawing/2014/main" id="{E07EA199-FDF6-46D0-A1A4-BDF8654DA932}"/>
-              </a:ext>
-            </a:extLst>
-          </p:cNvPr>
-          <p:cNvSpPr>
-            <a:spLocks noGrp="1"/>
-          </p:cNvSpPr>
-          <p:nvPr>
-            <p:ph sz="half" idx="2"/>
-          </p:nvPr>
-        </p:nvSpPr>
-        <p:spPr/>
-        <p:txBody>
-          <a:bodyPr/>
-          <a:lstStyle/>
-          <a:p>
-            <a:endParaRPr lang="de-DE"/>
+            <a:endParaRPr lang="de-DE" sz="2000" dirty="0"/>
           </a:p>
         </p:txBody>
       </p:sp>
@@ -3978,15 +4066,199 @@
           <a:p>
             <a:r>
               <a:rPr lang="de-DE" dirty="0"/>
-              <a:t>Title</a:t>
-            </a:r>
-          </a:p>
-        </p:txBody>
-      </p:sp>
+              <a:t>Server Security &amp; </a:t>
+            </a:r>
+            <a:r>
+              <a:rPr lang="de-DE" dirty="0" err="1"/>
+              <a:t>Cyber</a:t>
+            </a:r>
+            <a:r>
+              <a:rPr lang="de-DE" dirty="0"/>
+              <a:t> </a:t>
+            </a:r>
+            <a:r>
+              <a:rPr lang="de-DE" dirty="0" err="1"/>
+              <a:t>Activity</a:t>
+            </a:r>
+            <a:endParaRPr lang="de-DE" dirty="0"/>
+          </a:p>
+        </p:txBody>
+      </p:sp>
+      <p:pic>
+        <p:nvPicPr>
+          <p:cNvPr id="2" name="Grafik 1">
+            <a:extLst>
+              <a:ext uri="{FF2B5EF4-FFF2-40B4-BE49-F238E27FC236}">
+                <a16:creationId xmlns:a16="http://schemas.microsoft.com/office/drawing/2014/main" id="{8EFC9208-873C-48DB-9E7C-0D274DBE396E}"/>
+              </a:ext>
+            </a:extLst>
+          </p:cNvPr>
+          <p:cNvPicPr>
+            <a:picLocks noChangeAspect="1"/>
+          </p:cNvPicPr>
+          <p:nvPr/>
+        </p:nvPicPr>
+        <p:blipFill>
+          <a:blip r:embed="rId2"/>
+          <a:stretch>
+            <a:fillRect/>
+          </a:stretch>
+        </p:blipFill>
+        <p:spPr>
+          <a:xfrm>
+            <a:off x="0" y="3823854"/>
+            <a:ext cx="12192000" cy="3034145"/>
+          </a:xfrm>
+          <a:prstGeom prst="rect">
+            <a:avLst/>
+          </a:prstGeom>
+        </p:spPr>
+      </p:pic>
+      <p:pic>
+        <p:nvPicPr>
+          <p:cNvPr id="5" name="Grafik 4" descr="Ein Bild, das Screenshot enthält.&#10;&#10;Mit sehr hoher Zuverlässigkeit generierte Beschreibung">
+            <a:extLst>
+              <a:ext uri="{FF2B5EF4-FFF2-40B4-BE49-F238E27FC236}">
+                <a16:creationId xmlns:a16="http://schemas.microsoft.com/office/drawing/2014/main" id="{60F5F5DC-2F1B-44BD-BAD9-51A4ECE99783}"/>
+              </a:ext>
+            </a:extLst>
+          </p:cNvPr>
+          <p:cNvPicPr>
+            <a:picLocks noChangeAspect="1"/>
+          </p:cNvPicPr>
+          <p:nvPr/>
+        </p:nvPicPr>
+        <p:blipFill>
+          <a:blip r:embed="rId3">
+            <a:extLst>
+              <a:ext uri="{28A0092B-C50C-407E-A947-70E740481C1C}">
+                <a14:useLocalDpi xmlns:a14="http://schemas.microsoft.com/office/drawing/2010/main" val="0"/>
+              </a:ext>
+            </a:extLst>
+          </a:blip>
+          <a:stretch>
+            <a:fillRect/>
+          </a:stretch>
+        </p:blipFill>
+        <p:spPr>
+          <a:xfrm>
+            <a:off x="4094700" y="-422564"/>
+            <a:ext cx="7487700" cy="4246418"/>
+          </a:xfrm>
+          <a:prstGeom prst="rect">
+            <a:avLst/>
+          </a:prstGeom>
+        </p:spPr>
+      </p:pic>
     </p:spTree>
     <p:extLst>
       <p:ext uri="{BB962C8B-B14F-4D97-AF65-F5344CB8AC3E}">
         <p14:creationId xmlns:p14="http://schemas.microsoft.com/office/powerpoint/2010/main" val="935841748"/>
+      </p:ext>
+    </p:extLst>
+  </p:cSld>
+  <p:clrMapOvr>
+    <a:masterClrMapping/>
+  </p:clrMapOvr>
+</p:sld>
+</file>
+
+<file path=ppt/slides/slide3.xml><?xml version="1.0" encoding="utf-8"?>
+<p:sld xmlns:a="http://schemas.openxmlformats.org/drawingml/2006/main" xmlns:r="http://schemas.openxmlformats.org/officeDocument/2006/relationships" xmlns:p="http://schemas.openxmlformats.org/presentationml/2006/main">
+  <p:cSld>
+    <p:spTree>
+      <p:nvGrpSpPr>
+        <p:cNvPr id="1" name=""/>
+        <p:cNvGrpSpPr/>
+        <p:nvPr/>
+      </p:nvGrpSpPr>
+      <p:grpSpPr>
+        <a:xfrm>
+          <a:off x="0" y="0"/>
+          <a:ext cx="0" cy="0"/>
+          <a:chOff x="0" y="0"/>
+          <a:chExt cx="0" cy="0"/>
+        </a:xfrm>
+      </p:grpSpPr>
+      <p:sp>
+        <p:nvSpPr>
+          <p:cNvPr id="6" name="Inhaltsplatzhalter 5">
+            <a:extLst>
+              <a:ext uri="{FF2B5EF4-FFF2-40B4-BE49-F238E27FC236}">
+                <a16:creationId xmlns:a16="http://schemas.microsoft.com/office/drawing/2014/main" id="{164207C4-10EC-47CD-A4C8-476CD2689AC3}"/>
+              </a:ext>
+            </a:extLst>
+          </p:cNvPr>
+          <p:cNvSpPr>
+            <a:spLocks noGrp="1"/>
+          </p:cNvSpPr>
+          <p:nvPr>
+            <p:ph idx="1"/>
+          </p:nvPr>
+        </p:nvSpPr>
+        <p:spPr/>
+        <p:txBody>
+          <a:bodyPr/>
+          <a:lstStyle/>
+          <a:p>
+            <a:endParaRPr lang="de-DE" dirty="0"/>
+          </a:p>
+        </p:txBody>
+      </p:sp>
+      <p:sp>
+        <p:nvSpPr>
+          <p:cNvPr id="7" name="Titel 6">
+            <a:extLst>
+              <a:ext uri="{FF2B5EF4-FFF2-40B4-BE49-F238E27FC236}">
+                <a16:creationId xmlns:a16="http://schemas.microsoft.com/office/drawing/2014/main" id="{7F80C65C-4B3E-475F-81F1-726541F45967}"/>
+              </a:ext>
+            </a:extLst>
+          </p:cNvPr>
+          <p:cNvSpPr>
+            <a:spLocks noGrp="1"/>
+          </p:cNvSpPr>
+          <p:nvPr>
+            <p:ph type="title"/>
+          </p:nvPr>
+        </p:nvSpPr>
+        <p:spPr/>
+        <p:txBody>
+          <a:bodyPr>
+            <a:normAutofit fontScale="90000"/>
+          </a:bodyPr>
+          <a:lstStyle/>
+          <a:p>
+            <a:r>
+              <a:rPr lang="de-DE" dirty="0" err="1"/>
+              <a:t>Cyber</a:t>
+            </a:r>
+            <a:r>
+              <a:rPr lang="de-DE" dirty="0"/>
+              <a:t> </a:t>
+            </a:r>
+            <a:r>
+              <a:rPr lang="de-DE" dirty="0" err="1"/>
+              <a:t>Activity</a:t>
+            </a:r>
+            <a:r>
+              <a:rPr lang="de-DE" dirty="0"/>
+              <a:t> </a:t>
+            </a:r>
+            <a:r>
+              <a:rPr lang="de-DE" dirty="0" err="1"/>
+              <a:t>across</a:t>
+            </a:r>
+            <a:r>
+              <a:rPr lang="de-DE" dirty="0"/>
+              <a:t> Countries</a:t>
+            </a:r>
+          </a:p>
+        </p:txBody>
+      </p:sp>
+    </p:spTree>
+    <p:extLst>
+      <p:ext uri="{BB962C8B-B14F-4D97-AF65-F5344CB8AC3E}">
+        <p14:creationId xmlns:p14="http://schemas.microsoft.com/office/powerpoint/2010/main" val="1216966078"/>
       </p:ext>
     </p:extLst>
   </p:cSld>

--- a/presentation/20180325-datafest2018-theresolutemean.pptx
+++ b/presentation/20180325-datafest2018-theresolutemean.pptx
@@ -586,7 +586,7 @@
           <a:p>
             <a:fld id="{B23375D0-788C-463C-9363-76E394C21F96}" type="datetimeFigureOut">
               <a:rPr lang="de-DE" smtClean="0"/>
-              <a:t>24.03.2018</a:t>
+              <a:t>25.03.2018</a:t>
             </a:fld>
             <a:endParaRPr lang="de-DE"/>
           </a:p>
@@ -880,7 +880,7 @@
           <a:p>
             <a:fld id="{B23375D0-788C-463C-9363-76E394C21F96}" type="datetimeFigureOut">
               <a:rPr lang="de-DE" smtClean="0"/>
-              <a:t>24.03.2018</a:t>
+              <a:t>25.03.2018</a:t>
             </a:fld>
             <a:endParaRPr lang="de-DE"/>
           </a:p>
@@ -1066,7 +1066,7 @@
           <a:p>
             <a:fld id="{B23375D0-788C-463C-9363-76E394C21F96}" type="datetimeFigureOut">
               <a:rPr lang="de-DE" smtClean="0"/>
-              <a:t>24.03.2018</a:t>
+              <a:t>25.03.2018</a:t>
             </a:fld>
             <a:endParaRPr lang="de-DE"/>
           </a:p>
@@ -1221,7 +1221,7 @@
           <a:p>
             <a:fld id="{B23375D0-788C-463C-9363-76E394C21F96}" type="datetimeFigureOut">
               <a:rPr lang="de-DE" smtClean="0"/>
-              <a:t>24.03.2018</a:t>
+              <a:t>25.03.2018</a:t>
             </a:fld>
             <a:endParaRPr lang="de-DE"/>
           </a:p>
@@ -1624,7 +1624,7 @@
           <a:p>
             <a:fld id="{B23375D0-788C-463C-9363-76E394C21F96}" type="datetimeFigureOut">
               <a:rPr lang="de-DE" smtClean="0"/>
-              <a:t>24.03.2018</a:t>
+              <a:t>25.03.2018</a:t>
             </a:fld>
             <a:endParaRPr lang="de-DE"/>
           </a:p>
@@ -1839,7 +1839,7 @@
           <a:p>
             <a:fld id="{B23375D0-788C-463C-9363-76E394C21F96}" type="datetimeFigureOut">
               <a:rPr lang="de-DE" smtClean="0"/>
-              <a:t>24.03.2018</a:t>
+              <a:t>25.03.2018</a:t>
             </a:fld>
             <a:endParaRPr lang="de-DE"/>
           </a:p>
@@ -2229,7 +2229,7 @@
           <a:p>
             <a:fld id="{B23375D0-788C-463C-9363-76E394C21F96}" type="datetimeFigureOut">
               <a:rPr lang="de-DE" smtClean="0"/>
-              <a:t>24.03.2018</a:t>
+              <a:t>25.03.2018</a:t>
             </a:fld>
             <a:endParaRPr lang="de-DE"/>
           </a:p>
@@ -2363,7 +2363,7 @@
           <a:p>
             <a:fld id="{B23375D0-788C-463C-9363-76E394C21F96}" type="datetimeFigureOut">
               <a:rPr lang="de-DE" smtClean="0"/>
-              <a:t>24.03.2018</a:t>
+              <a:t>25.03.2018</a:t>
             </a:fld>
             <a:endParaRPr lang="de-DE"/>
           </a:p>
@@ -2497,7 +2497,7 @@
           <a:p>
             <a:fld id="{B23375D0-788C-463C-9363-76E394C21F96}" type="datetimeFigureOut">
               <a:rPr lang="de-DE" smtClean="0"/>
-              <a:t>24.03.2018</a:t>
+              <a:t>25.03.2018</a:t>
             </a:fld>
             <a:endParaRPr lang="de-DE"/>
           </a:p>
@@ -2783,7 +2783,7 @@
           <a:p>
             <a:fld id="{B23375D0-788C-463C-9363-76E394C21F96}" type="datetimeFigureOut">
               <a:rPr lang="de-DE" smtClean="0"/>
-              <a:t>24.03.2018</a:t>
+              <a:t>25.03.2018</a:t>
             </a:fld>
             <a:endParaRPr lang="de-DE"/>
           </a:p>
@@ -3049,7 +3049,7 @@
           <a:p>
             <a:fld id="{B23375D0-788C-463C-9363-76E394C21F96}" type="datetimeFigureOut">
               <a:rPr lang="de-DE" smtClean="0"/>
-              <a:t>24.03.2018</a:t>
+              <a:t>25.03.2018</a:t>
             </a:fld>
             <a:endParaRPr lang="de-DE"/>
           </a:p>
@@ -3263,7 +3263,7 @@
             <a:fld id="{B23375D0-788C-463C-9363-76E394C21F96}" type="datetimeFigureOut">
               <a:rPr lang="de-DE" smtClean="0"/>
               <a:pPr/>
-              <a:t>24.03.2018</a:t>
+              <a:t>25.03.2018</a:t>
             </a:fld>
             <a:endParaRPr lang="de-DE"/>
           </a:p>
@@ -3913,13 +3913,13 @@
         </p:nvSpPr>
         <p:spPr>
           <a:xfrm>
-            <a:off x="609600" y="1752599"/>
+            <a:off x="609600" y="1780478"/>
             <a:ext cx="5410199" cy="1572491"/>
           </a:xfrm>
         </p:spPr>
         <p:txBody>
           <a:bodyPr>
-            <a:normAutofit/>
+            <a:normAutofit fontScale="92500" lnSpcReduction="20000"/>
           </a:bodyPr>
           <a:lstStyle/>
           <a:p>
@@ -4036,6 +4036,65 @@
             <a:r>
               <a:rPr lang="de-DE" sz="2000" dirty="0" err="1"/>
               <a:t>attacks</a:t>
+            </a:r>
+            <a:endParaRPr lang="de-DE" sz="2000" dirty="0"/>
+          </a:p>
+          <a:p>
+            <a:r>
+              <a:rPr lang="de-DE" sz="2000" dirty="0"/>
+              <a:t>Focus on: </a:t>
+            </a:r>
+            <a:r>
+              <a:rPr lang="de-DE" sz="2000" dirty="0" err="1"/>
+              <a:t>Netherlands</a:t>
+            </a:r>
+            <a:r>
+              <a:rPr lang="de-DE" sz="2000" dirty="0"/>
+              <a:t>, United States, Russia, Brazil and China -&gt; Countries </a:t>
+            </a:r>
+            <a:r>
+              <a:rPr lang="de-DE" sz="2000" dirty="0" err="1"/>
+              <a:t>with</a:t>
+            </a:r>
+            <a:r>
+              <a:rPr lang="de-DE" sz="2000" dirty="0"/>
+              <a:t> </a:t>
+            </a:r>
+            <a:r>
+              <a:rPr lang="de-DE" sz="2000" dirty="0" err="1"/>
+              <a:t>most</a:t>
+            </a:r>
+            <a:r>
+              <a:rPr lang="de-DE" sz="2000" dirty="0"/>
+              <a:t> </a:t>
+            </a:r>
+            <a:r>
+              <a:rPr lang="de-DE" sz="2000" dirty="0" err="1"/>
+              <a:t>originated</a:t>
+            </a:r>
+            <a:r>
+              <a:rPr lang="de-DE" sz="2000" dirty="0"/>
+              <a:t> IP </a:t>
+            </a:r>
+            <a:r>
+              <a:rPr lang="de-DE" sz="2000" dirty="0" err="1"/>
+              <a:t>adresses</a:t>
+            </a:r>
+            <a:r>
+              <a:rPr lang="de-DE" sz="2000" dirty="0"/>
+              <a:t> in </a:t>
+            </a:r>
+            <a:r>
+              <a:rPr lang="de-DE" sz="2000" dirty="0" err="1"/>
+              <a:t>the</a:t>
+            </a:r>
+            <a:r>
+              <a:rPr lang="de-DE" sz="2000" dirty="0"/>
+              <a:t> </a:t>
+            </a:r>
+            <a:r>
+              <a:rPr lang="de-DE" sz="2000" dirty="0" err="1"/>
+              <a:t>data</a:t>
             </a:r>
             <a:endParaRPr lang="de-DE" sz="2000" dirty="0"/>
           </a:p>
@@ -4057,7 +4116,12 @@
             <p:ph type="title"/>
           </p:nvPr>
         </p:nvSpPr>
-        <p:spPr/>
+        <p:spPr>
+          <a:xfrm>
+            <a:off x="630375" y="912610"/>
+            <a:ext cx="10931250" cy="525697"/>
+          </a:xfrm>
+        </p:spPr>
         <p:txBody>
           <a:bodyPr>
             <a:normAutofit fontScale="90000"/>
@@ -4068,6 +4132,9 @@
               <a:rPr lang="de-DE" dirty="0"/>
               <a:t>Server Security &amp; </a:t>
             </a:r>
+            <a:br>
+              <a:rPr lang="de-DE" dirty="0"/>
+            </a:br>
             <a:r>
               <a:rPr lang="de-DE" dirty="0" err="1"/>
               <a:t>Cyber</a:t>
@@ -4142,14 +4209,539 @@
         </p:blipFill>
         <p:spPr>
           <a:xfrm>
-            <a:off x="4094700" y="-422564"/>
-            <a:ext cx="7487700" cy="4246418"/>
+            <a:off x="6975087" y="1198894"/>
+            <a:ext cx="4607313" cy="2612896"/>
           </a:xfrm>
           <a:prstGeom prst="rect">
             <a:avLst/>
           </a:prstGeom>
         </p:spPr>
       </p:pic>
+      <p:sp>
+        <p:nvSpPr>
+          <p:cNvPr id="3" name="Rechteck 2">
+            <a:extLst>
+              <a:ext uri="{FF2B5EF4-FFF2-40B4-BE49-F238E27FC236}">
+                <a16:creationId xmlns:a16="http://schemas.microsoft.com/office/drawing/2014/main" id="{BEB9EF76-EA8A-49FD-8D3E-80B9F5C32BB3}"/>
+              </a:ext>
+            </a:extLst>
+          </p:cNvPr>
+          <p:cNvSpPr/>
+          <p:nvPr/>
+        </p:nvSpPr>
+        <p:spPr>
+          <a:xfrm>
+            <a:off x="3155795" y="1198894"/>
+            <a:ext cx="4694664" cy="2306138"/>
+          </a:xfrm>
+          <a:prstGeom prst="rect">
+            <a:avLst/>
+          </a:prstGeom>
+          <a:solidFill>
+            <a:srgbClr val="FFFF00"/>
+          </a:solidFill>
+        </p:spPr>
+        <p:style>
+          <a:lnRef idx="2">
+            <a:schemeClr val="accent1">
+              <a:shade val="50000"/>
+            </a:schemeClr>
+          </a:lnRef>
+          <a:fillRef idx="1">
+            <a:schemeClr val="accent1"/>
+          </a:fillRef>
+          <a:effectRef idx="0">
+            <a:schemeClr val="accent1"/>
+          </a:effectRef>
+          <a:fontRef idx="minor">
+            <a:schemeClr val="lt1"/>
+          </a:fontRef>
+        </p:style>
+        <p:txBody>
+          <a:bodyPr rtlCol="0" anchor="ctr"/>
+          <a:lstStyle/>
+          <a:p>
+            <a:pPr marL="285750" indent="-285750">
+              <a:buFontTx/>
+              <a:buChar char="-"/>
+            </a:pPr>
+            <a:r>
+              <a:rPr lang="de-DE" dirty="0" err="1">
+                <a:solidFill>
+                  <a:schemeClr val="tx1"/>
+                </a:solidFill>
+              </a:rPr>
+              <a:t>Make</a:t>
+            </a:r>
+            <a:r>
+              <a:rPr lang="de-DE" dirty="0">
+                <a:solidFill>
+                  <a:schemeClr val="tx1"/>
+                </a:solidFill>
+              </a:rPr>
+              <a:t> </a:t>
+            </a:r>
+            <a:r>
+              <a:rPr lang="de-DE" dirty="0" err="1">
+                <a:solidFill>
+                  <a:schemeClr val="tx1"/>
+                </a:solidFill>
+              </a:rPr>
+              <a:t>heatmap</a:t>
+            </a:r>
+            <a:r>
+              <a:rPr lang="de-DE" dirty="0">
+                <a:solidFill>
+                  <a:schemeClr val="tx1"/>
+                </a:solidFill>
+              </a:rPr>
+              <a:t> </a:t>
+            </a:r>
+            <a:r>
+              <a:rPr lang="de-DE" dirty="0" err="1">
+                <a:solidFill>
+                  <a:schemeClr val="tx1"/>
+                </a:solidFill>
+              </a:rPr>
+              <a:t>nicer</a:t>
+            </a:r>
+            <a:endParaRPr lang="de-DE" dirty="0">
+              <a:solidFill>
+                <a:schemeClr val="tx1"/>
+              </a:solidFill>
+            </a:endParaRPr>
+          </a:p>
+          <a:p>
+            <a:pPr marL="285750" indent="-285750">
+              <a:buFontTx/>
+              <a:buChar char="-"/>
+            </a:pPr>
+            <a:r>
+              <a:rPr lang="de-DE" dirty="0" err="1">
+                <a:solidFill>
+                  <a:schemeClr val="tx1"/>
+                </a:solidFill>
+              </a:rPr>
+              <a:t>Include</a:t>
+            </a:r>
+            <a:r>
+              <a:rPr lang="de-DE" dirty="0">
+                <a:solidFill>
+                  <a:schemeClr val="tx1"/>
+                </a:solidFill>
+              </a:rPr>
+              <a:t> nice </a:t>
+            </a:r>
+            <a:r>
+              <a:rPr lang="de-DE" dirty="0" err="1">
+                <a:solidFill>
+                  <a:schemeClr val="tx1"/>
+                </a:solidFill>
+              </a:rPr>
+              <a:t>story</a:t>
+            </a:r>
+            <a:r>
+              <a:rPr lang="de-DE" dirty="0">
+                <a:solidFill>
+                  <a:schemeClr val="tx1"/>
+                </a:solidFill>
+              </a:rPr>
+              <a:t> </a:t>
+            </a:r>
+            <a:r>
+              <a:rPr lang="de-DE" dirty="0" err="1">
+                <a:solidFill>
+                  <a:schemeClr val="tx1"/>
+                </a:solidFill>
+              </a:rPr>
+              <a:t>text</a:t>
+            </a:r>
+            <a:r>
+              <a:rPr lang="de-DE" dirty="0">
+                <a:solidFill>
+                  <a:schemeClr val="tx1"/>
+                </a:solidFill>
+              </a:rPr>
+              <a:t>/</a:t>
+            </a:r>
+            <a:r>
+              <a:rPr lang="de-DE" dirty="0" err="1">
+                <a:solidFill>
+                  <a:schemeClr val="tx1"/>
+                </a:solidFill>
+              </a:rPr>
+              <a:t>bullet</a:t>
+            </a:r>
+            <a:r>
+              <a:rPr lang="de-DE" dirty="0">
+                <a:solidFill>
+                  <a:schemeClr val="tx1"/>
+                </a:solidFill>
+              </a:rPr>
+              <a:t> </a:t>
+            </a:r>
+            <a:r>
+              <a:rPr lang="de-DE" dirty="0" err="1">
+                <a:solidFill>
+                  <a:schemeClr val="tx1"/>
+                </a:solidFill>
+              </a:rPr>
+              <a:t>points</a:t>
+            </a:r>
+            <a:endParaRPr lang="de-DE" dirty="0">
+              <a:solidFill>
+                <a:schemeClr val="tx1"/>
+              </a:solidFill>
+            </a:endParaRPr>
+          </a:p>
+          <a:p>
+            <a:pPr marL="285750" indent="-285750">
+              <a:buFontTx/>
+              <a:buChar char="-"/>
+            </a:pPr>
+            <a:r>
+              <a:rPr lang="de-DE" dirty="0" err="1">
+                <a:solidFill>
+                  <a:schemeClr val="tx1"/>
+                </a:solidFill>
+              </a:rPr>
+              <a:t>Adjust</a:t>
+            </a:r>
+            <a:r>
+              <a:rPr lang="de-DE" dirty="0">
+                <a:solidFill>
+                  <a:schemeClr val="tx1"/>
+                </a:solidFill>
+              </a:rPr>
+              <a:t> </a:t>
+            </a:r>
+            <a:r>
+              <a:rPr lang="de-DE" dirty="0" err="1">
+                <a:solidFill>
+                  <a:schemeClr val="tx1"/>
+                </a:solidFill>
+              </a:rPr>
+              <a:t>colors</a:t>
+            </a:r>
+            <a:r>
+              <a:rPr lang="de-DE" dirty="0">
+                <a:solidFill>
+                  <a:schemeClr val="tx1"/>
+                </a:solidFill>
+              </a:rPr>
+              <a:t> </a:t>
+            </a:r>
+            <a:r>
+              <a:rPr lang="de-DE" dirty="0" err="1">
+                <a:solidFill>
+                  <a:schemeClr val="tx1"/>
+                </a:solidFill>
+              </a:rPr>
+              <a:t>to</a:t>
+            </a:r>
+            <a:r>
+              <a:rPr lang="de-DE" dirty="0">
+                <a:solidFill>
+                  <a:schemeClr val="tx1"/>
+                </a:solidFill>
+              </a:rPr>
+              <a:t> uniform </a:t>
+            </a:r>
+            <a:r>
+              <a:rPr lang="de-DE" dirty="0" err="1">
+                <a:solidFill>
+                  <a:schemeClr val="tx1"/>
+                </a:solidFill>
+              </a:rPr>
+              <a:t>coloring</a:t>
+            </a:r>
+            <a:r>
+              <a:rPr lang="de-DE" dirty="0">
+                <a:solidFill>
+                  <a:schemeClr val="tx1"/>
+                </a:solidFill>
+              </a:rPr>
+              <a:t> </a:t>
+            </a:r>
+            <a:r>
+              <a:rPr lang="de-DE" dirty="0" err="1">
+                <a:solidFill>
+                  <a:schemeClr val="tx1"/>
+                </a:solidFill>
+              </a:rPr>
+              <a:t>of</a:t>
+            </a:r>
+            <a:r>
+              <a:rPr lang="de-DE" dirty="0">
+                <a:solidFill>
+                  <a:schemeClr val="tx1"/>
+                </a:solidFill>
+              </a:rPr>
+              <a:t> </a:t>
+            </a:r>
+            <a:r>
+              <a:rPr lang="de-DE" dirty="0" err="1">
+                <a:solidFill>
+                  <a:schemeClr val="tx1"/>
+                </a:solidFill>
+              </a:rPr>
+              <a:t>graphics</a:t>
+            </a:r>
+            <a:r>
+              <a:rPr lang="de-DE" dirty="0">
+                <a:solidFill>
+                  <a:schemeClr val="tx1"/>
+                </a:solidFill>
+              </a:rPr>
+              <a:t> (e.g. nice </a:t>
+            </a:r>
+            <a:r>
+              <a:rPr lang="de-DE" dirty="0" err="1">
+                <a:solidFill>
+                  <a:schemeClr val="tx1"/>
+                </a:solidFill>
+              </a:rPr>
+              <a:t>blue</a:t>
+            </a:r>
+            <a:r>
+              <a:rPr lang="de-DE" dirty="0">
+                <a:solidFill>
+                  <a:schemeClr val="tx1"/>
+                </a:solidFill>
+              </a:rPr>
+              <a:t> </a:t>
+            </a:r>
+            <a:r>
+              <a:rPr lang="de-DE" dirty="0" err="1">
+                <a:solidFill>
+                  <a:schemeClr val="tx1"/>
+                </a:solidFill>
+              </a:rPr>
+              <a:t>scales</a:t>
+            </a:r>
+            <a:r>
+              <a:rPr lang="de-DE" dirty="0">
+                <a:solidFill>
+                  <a:schemeClr val="tx1"/>
+                </a:solidFill>
+              </a:rPr>
+              <a:t> </a:t>
+            </a:r>
+            <a:r>
+              <a:rPr lang="de-DE" dirty="0" err="1">
+                <a:solidFill>
+                  <a:schemeClr val="tx1"/>
+                </a:solidFill>
+              </a:rPr>
+              <a:t>or</a:t>
+            </a:r>
+            <a:r>
+              <a:rPr lang="de-DE" dirty="0">
+                <a:solidFill>
+                  <a:schemeClr val="tx1"/>
+                </a:solidFill>
+              </a:rPr>
+              <a:t> </a:t>
+            </a:r>
+            <a:r>
+              <a:rPr lang="de-DE" dirty="0" err="1">
+                <a:solidFill>
+                  <a:schemeClr val="tx1"/>
+                </a:solidFill>
+              </a:rPr>
+              <a:t>something</a:t>
+            </a:r>
+            <a:r>
+              <a:rPr lang="de-DE" dirty="0">
+                <a:solidFill>
+                  <a:schemeClr val="tx1"/>
+                </a:solidFill>
+              </a:rPr>
+              <a:t>)</a:t>
+            </a:r>
+          </a:p>
+          <a:p>
+            <a:pPr marL="285750" indent="-285750">
+              <a:buFontTx/>
+              <a:buChar char="-"/>
+            </a:pPr>
+            <a:r>
+              <a:rPr lang="de-DE" dirty="0">
+                <a:solidFill>
+                  <a:schemeClr val="tx1"/>
+                </a:solidFill>
+              </a:rPr>
+              <a:t>Order </a:t>
+            </a:r>
+            <a:r>
+              <a:rPr lang="de-DE" dirty="0" err="1">
+                <a:solidFill>
+                  <a:schemeClr val="tx1"/>
+                </a:solidFill>
+              </a:rPr>
+              <a:t>graphics</a:t>
+            </a:r>
+            <a:r>
+              <a:rPr lang="de-DE" dirty="0">
+                <a:solidFill>
+                  <a:schemeClr val="tx1"/>
+                </a:solidFill>
+              </a:rPr>
+              <a:t> and </a:t>
+            </a:r>
+            <a:r>
+              <a:rPr lang="de-DE" dirty="0" err="1">
+                <a:solidFill>
+                  <a:schemeClr val="tx1"/>
+                </a:solidFill>
+              </a:rPr>
+              <a:t>text</a:t>
+            </a:r>
+            <a:r>
+              <a:rPr lang="de-DE" dirty="0">
+                <a:solidFill>
+                  <a:schemeClr val="tx1"/>
+                </a:solidFill>
+              </a:rPr>
+              <a:t> </a:t>
+            </a:r>
+            <a:r>
+              <a:rPr lang="de-DE" dirty="0" err="1">
+                <a:solidFill>
+                  <a:schemeClr val="tx1"/>
+                </a:solidFill>
+              </a:rPr>
+              <a:t>nicely</a:t>
+            </a:r>
+            <a:r>
+              <a:rPr lang="de-DE" dirty="0">
+                <a:solidFill>
+                  <a:schemeClr val="tx1"/>
+                </a:solidFill>
+              </a:rPr>
+              <a:t> on </a:t>
+            </a:r>
+            <a:r>
+              <a:rPr lang="de-DE" dirty="0" err="1">
+                <a:solidFill>
+                  <a:schemeClr val="tx1"/>
+                </a:solidFill>
+              </a:rPr>
+              <a:t>the</a:t>
+            </a:r>
+            <a:r>
+              <a:rPr lang="de-DE" dirty="0">
+                <a:solidFill>
+                  <a:schemeClr val="tx1"/>
+                </a:solidFill>
+              </a:rPr>
+              <a:t> </a:t>
+            </a:r>
+            <a:r>
+              <a:rPr lang="de-DE" dirty="0" err="1">
+                <a:solidFill>
+                  <a:schemeClr val="tx1"/>
+                </a:solidFill>
+              </a:rPr>
+              <a:t>slides</a:t>
+            </a:r>
+            <a:endParaRPr lang="de-DE" dirty="0">
+              <a:solidFill>
+                <a:schemeClr val="tx1"/>
+              </a:solidFill>
+            </a:endParaRPr>
+          </a:p>
+          <a:p>
+            <a:pPr marL="285750" indent="-285750">
+              <a:buFontTx/>
+              <a:buChar char="-"/>
+            </a:pPr>
+            <a:r>
+              <a:rPr lang="de-DE" dirty="0">
+                <a:solidFill>
+                  <a:schemeClr val="tx1"/>
+                </a:solidFill>
+              </a:rPr>
+              <a:t>Maybe </a:t>
+            </a:r>
+            <a:r>
+              <a:rPr lang="de-DE" dirty="0" err="1">
+                <a:solidFill>
+                  <a:schemeClr val="tx1"/>
+                </a:solidFill>
+              </a:rPr>
+              <a:t>include</a:t>
+            </a:r>
+            <a:r>
+              <a:rPr lang="de-DE" dirty="0">
+                <a:solidFill>
+                  <a:schemeClr val="tx1"/>
+                </a:solidFill>
+              </a:rPr>
+              <a:t> </a:t>
+            </a:r>
+            <a:r>
+              <a:rPr lang="de-DE" dirty="0" err="1">
+                <a:solidFill>
+                  <a:schemeClr val="tx1"/>
+                </a:solidFill>
+              </a:rPr>
+              <a:t>background</a:t>
+            </a:r>
+            <a:r>
+              <a:rPr lang="de-DE" dirty="0">
+                <a:solidFill>
+                  <a:schemeClr val="tx1"/>
+                </a:solidFill>
+              </a:rPr>
+              <a:t> </a:t>
+            </a:r>
+            <a:r>
+              <a:rPr lang="de-DE" dirty="0" err="1">
+                <a:solidFill>
+                  <a:schemeClr val="tx1"/>
+                </a:solidFill>
+              </a:rPr>
+              <a:t>color</a:t>
+            </a:r>
+            <a:r>
+              <a:rPr lang="de-DE" dirty="0">
+                <a:solidFill>
+                  <a:schemeClr val="tx1"/>
+                </a:solidFill>
+              </a:rPr>
+              <a:t> on </a:t>
+            </a:r>
+            <a:r>
+              <a:rPr lang="de-DE" dirty="0" err="1">
+                <a:solidFill>
+                  <a:schemeClr val="tx1"/>
+                </a:solidFill>
+              </a:rPr>
+              <a:t>slides</a:t>
+            </a:r>
+            <a:r>
+              <a:rPr lang="de-DE" dirty="0">
+                <a:solidFill>
+                  <a:schemeClr val="tx1"/>
+                </a:solidFill>
+              </a:rPr>
+              <a:t>?</a:t>
+            </a:r>
+          </a:p>
+          <a:p>
+            <a:pPr marL="285750" indent="-285750">
+              <a:buFontTx/>
+              <a:buChar char="-"/>
+            </a:pPr>
+            <a:endParaRPr lang="de-DE" dirty="0">
+              <a:solidFill>
+                <a:schemeClr val="tx1"/>
+              </a:solidFill>
+            </a:endParaRPr>
+          </a:p>
+        </p:txBody>
+      </p:sp>
     </p:spTree>
     <p:extLst>
       <p:ext uri="{BB962C8B-B14F-4D97-AF65-F5344CB8AC3E}">
@@ -4182,31 +4774,6 @@
       </p:grpSpPr>
       <p:sp>
         <p:nvSpPr>
-          <p:cNvPr id="6" name="Inhaltsplatzhalter 5">
-            <a:extLst>
-              <a:ext uri="{FF2B5EF4-FFF2-40B4-BE49-F238E27FC236}">
-                <a16:creationId xmlns:a16="http://schemas.microsoft.com/office/drawing/2014/main" id="{164207C4-10EC-47CD-A4C8-476CD2689AC3}"/>
-              </a:ext>
-            </a:extLst>
-          </p:cNvPr>
-          <p:cNvSpPr>
-            <a:spLocks noGrp="1"/>
-          </p:cNvSpPr>
-          <p:nvPr>
-            <p:ph idx="1"/>
-          </p:nvPr>
-        </p:nvSpPr>
-        <p:spPr/>
-        <p:txBody>
-          <a:bodyPr/>
-          <a:lstStyle/>
-          <a:p>
-            <a:endParaRPr lang="de-DE" dirty="0"/>
-          </a:p>
-        </p:txBody>
-      </p:sp>
-      <p:sp>
-        <p:nvSpPr>
           <p:cNvPr id="7" name="Titel 6">
             <a:extLst>
               <a:ext uri="{FF2B5EF4-FFF2-40B4-BE49-F238E27FC236}">
@@ -4250,11 +4817,82 @@
             </a:r>
             <a:r>
               <a:rPr lang="de-DE" dirty="0"/>
-              <a:t> Countries</a:t>
-            </a:r>
-          </a:p>
-        </p:txBody>
-      </p:sp>
+              <a:t> Top 5 Countries</a:t>
+            </a:r>
+          </a:p>
+        </p:txBody>
+      </p:sp>
+      <p:pic>
+        <p:nvPicPr>
+          <p:cNvPr id="21" name="Grafik 20" descr="Ein Bild, das Text enthält.&#10;&#10;Mit hoher Zuverlässigkeit generierte Beschreibung">
+            <a:extLst>
+              <a:ext uri="{FF2B5EF4-FFF2-40B4-BE49-F238E27FC236}">
+                <a16:creationId xmlns:a16="http://schemas.microsoft.com/office/drawing/2014/main" id="{23324DCD-B9B1-471A-B550-3B5530B11EC6}"/>
+              </a:ext>
+            </a:extLst>
+          </p:cNvPr>
+          <p:cNvPicPr>
+            <a:picLocks noChangeAspect="1"/>
+          </p:cNvPicPr>
+          <p:nvPr/>
+        </p:nvPicPr>
+        <p:blipFill>
+          <a:blip r:embed="rId2">
+            <a:extLst>
+              <a:ext uri="{28A0092B-C50C-407E-A947-70E740481C1C}">
+                <a14:useLocalDpi xmlns:a14="http://schemas.microsoft.com/office/drawing/2010/main" val="0"/>
+              </a:ext>
+            </a:extLst>
+          </a:blip>
+          <a:stretch>
+            <a:fillRect/>
+          </a:stretch>
+        </p:blipFill>
+        <p:spPr>
+          <a:xfrm>
+            <a:off x="406931" y="3445727"/>
+            <a:ext cx="6945269" cy="3194824"/>
+          </a:xfrm>
+          <a:prstGeom prst="rect">
+            <a:avLst/>
+          </a:prstGeom>
+        </p:spPr>
+      </p:pic>
+      <p:pic>
+        <p:nvPicPr>
+          <p:cNvPr id="15" name="Inhaltsplatzhalter 14" descr="Ein Bild, das Text, Karte, Screenshot enthält.&#10;&#10;Mit hoher Zuverlässigkeit generierte Beschreibung">
+            <a:extLst>
+              <a:ext uri="{FF2B5EF4-FFF2-40B4-BE49-F238E27FC236}">
+                <a16:creationId xmlns:a16="http://schemas.microsoft.com/office/drawing/2014/main" id="{19392A9B-4ECD-4256-9C2D-1DEE308DC1C4}"/>
+              </a:ext>
+            </a:extLst>
+          </p:cNvPr>
+          <p:cNvPicPr>
+            <a:picLocks noGrp="1" noChangeAspect="1"/>
+          </p:cNvPicPr>
+          <p:nvPr>
+            <p:ph idx="1"/>
+          </p:nvPr>
+        </p:nvPicPr>
+        <p:blipFill>
+          <a:blip r:embed="rId3">
+            <a:extLst>
+              <a:ext uri="{28A0092B-C50C-407E-A947-70E740481C1C}">
+                <a14:useLocalDpi xmlns:a14="http://schemas.microsoft.com/office/drawing/2010/main" val="0"/>
+              </a:ext>
+            </a:extLst>
+          </a:blip>
+          <a:stretch>
+            <a:fillRect/>
+          </a:stretch>
+        </p:blipFill>
+        <p:spPr>
+          <a:xfrm>
+            <a:off x="5962185" y="1430081"/>
+            <a:ext cx="6096000" cy="2804160"/>
+          </a:xfrm>
+        </p:spPr>
+      </p:pic>
     </p:spTree>
     <p:extLst>
       <p:ext uri="{BB962C8B-B14F-4D97-AF65-F5344CB8AC3E}">

--- a/presentation/20180325-datafest2018-theresolutemean.pptx
+++ b/presentation/20180325-datafest2018-theresolutemean.pptx
@@ -586,7 +586,7 @@
           <a:p>
             <a:fld id="{B23375D0-788C-463C-9363-76E394C21F96}" type="datetimeFigureOut">
               <a:rPr lang="de-DE" smtClean="0"/>
-              <a:t>25.03.2018</a:t>
+              <a:t>25.03.18</a:t>
             </a:fld>
             <a:endParaRPr lang="de-DE"/>
           </a:p>
@@ -628,7 +628,7 @@
           <a:p>
             <a:fld id="{BB770AC0-BAF5-467D-8D09-11B1889686D8}" type="slidenum">
               <a:rPr lang="de-DE" smtClean="0"/>
-              <a:t>‹Nr.›</a:t>
+              <a:t>‹#›</a:t>
             </a:fld>
             <a:endParaRPr lang="de-DE"/>
           </a:p>
@@ -880,7 +880,7 @@
           <a:p>
             <a:fld id="{B23375D0-788C-463C-9363-76E394C21F96}" type="datetimeFigureOut">
               <a:rPr lang="de-DE" smtClean="0"/>
-              <a:t>25.03.2018</a:t>
+              <a:t>25.03.18</a:t>
             </a:fld>
             <a:endParaRPr lang="de-DE"/>
           </a:p>
@@ -922,7 +922,7 @@
           <a:p>
             <a:fld id="{BB770AC0-BAF5-467D-8D09-11B1889686D8}" type="slidenum">
               <a:rPr lang="de-DE" smtClean="0"/>
-              <a:t>‹Nr.›</a:t>
+              <a:t>‹#›</a:t>
             </a:fld>
             <a:endParaRPr lang="de-DE"/>
           </a:p>
@@ -1066,7 +1066,7 @@
           <a:p>
             <a:fld id="{B23375D0-788C-463C-9363-76E394C21F96}" type="datetimeFigureOut">
               <a:rPr lang="de-DE" smtClean="0"/>
-              <a:t>25.03.2018</a:t>
+              <a:t>25.03.18</a:t>
             </a:fld>
             <a:endParaRPr lang="de-DE"/>
           </a:p>
@@ -1108,7 +1108,7 @@
           <a:p>
             <a:fld id="{BB770AC0-BAF5-467D-8D09-11B1889686D8}" type="slidenum">
               <a:rPr lang="de-DE" smtClean="0"/>
-              <a:t>‹Nr.›</a:t>
+              <a:t>‹#›</a:t>
             </a:fld>
             <a:endParaRPr lang="de-DE"/>
           </a:p>
@@ -1221,7 +1221,7 @@
           <a:p>
             <a:fld id="{B23375D0-788C-463C-9363-76E394C21F96}" type="datetimeFigureOut">
               <a:rPr lang="de-DE" smtClean="0"/>
-              <a:t>25.03.2018</a:t>
+              <a:t>25.03.18</a:t>
             </a:fld>
             <a:endParaRPr lang="de-DE"/>
           </a:p>
@@ -1263,7 +1263,7 @@
           <a:p>
             <a:fld id="{BB770AC0-BAF5-467D-8D09-11B1889686D8}" type="slidenum">
               <a:rPr lang="de-DE" smtClean="0"/>
-              <a:t>‹Nr.›</a:t>
+              <a:t>‹#›</a:t>
             </a:fld>
             <a:endParaRPr lang="de-DE"/>
           </a:p>
@@ -1624,7 +1624,7 @@
           <a:p>
             <a:fld id="{B23375D0-788C-463C-9363-76E394C21F96}" type="datetimeFigureOut">
               <a:rPr lang="de-DE" smtClean="0"/>
-              <a:t>25.03.2018</a:t>
+              <a:t>25.03.18</a:t>
             </a:fld>
             <a:endParaRPr lang="de-DE"/>
           </a:p>
@@ -1666,7 +1666,7 @@
           <a:p>
             <a:fld id="{BB770AC0-BAF5-467D-8D09-11B1889686D8}" type="slidenum">
               <a:rPr lang="de-DE" smtClean="0"/>
-              <a:t>‹Nr.›</a:t>
+              <a:t>‹#›</a:t>
             </a:fld>
             <a:endParaRPr lang="de-DE"/>
           </a:p>
@@ -1839,7 +1839,7 @@
           <a:p>
             <a:fld id="{B23375D0-788C-463C-9363-76E394C21F96}" type="datetimeFigureOut">
               <a:rPr lang="de-DE" smtClean="0"/>
-              <a:t>25.03.2018</a:t>
+              <a:t>25.03.18</a:t>
             </a:fld>
             <a:endParaRPr lang="de-DE"/>
           </a:p>
@@ -1881,7 +1881,7 @@
           <a:p>
             <a:fld id="{BB770AC0-BAF5-467D-8D09-11B1889686D8}" type="slidenum">
               <a:rPr lang="de-DE" smtClean="0"/>
-              <a:t>‹Nr.›</a:t>
+              <a:t>‹#›</a:t>
             </a:fld>
             <a:endParaRPr lang="de-DE"/>
           </a:p>
@@ -2229,7 +2229,7 @@
           <a:p>
             <a:fld id="{B23375D0-788C-463C-9363-76E394C21F96}" type="datetimeFigureOut">
               <a:rPr lang="de-DE" smtClean="0"/>
-              <a:t>25.03.2018</a:t>
+              <a:t>25.03.18</a:t>
             </a:fld>
             <a:endParaRPr lang="de-DE"/>
           </a:p>
@@ -2271,7 +2271,7 @@
           <a:p>
             <a:fld id="{BB770AC0-BAF5-467D-8D09-11B1889686D8}" type="slidenum">
               <a:rPr lang="de-DE" smtClean="0"/>
-              <a:t>‹Nr.›</a:t>
+              <a:t>‹#›</a:t>
             </a:fld>
             <a:endParaRPr lang="de-DE"/>
           </a:p>
@@ -2363,7 +2363,7 @@
           <a:p>
             <a:fld id="{B23375D0-788C-463C-9363-76E394C21F96}" type="datetimeFigureOut">
               <a:rPr lang="de-DE" smtClean="0"/>
-              <a:t>25.03.2018</a:t>
+              <a:t>25.03.18</a:t>
             </a:fld>
             <a:endParaRPr lang="de-DE"/>
           </a:p>
@@ -2405,7 +2405,7 @@
           <a:p>
             <a:fld id="{BB770AC0-BAF5-467D-8D09-11B1889686D8}" type="slidenum">
               <a:rPr lang="de-DE" smtClean="0"/>
-              <a:t>‹Nr.›</a:t>
+              <a:t>‹#›</a:t>
             </a:fld>
             <a:endParaRPr lang="de-DE"/>
           </a:p>
@@ -2497,7 +2497,7 @@
           <a:p>
             <a:fld id="{B23375D0-788C-463C-9363-76E394C21F96}" type="datetimeFigureOut">
               <a:rPr lang="de-DE" smtClean="0"/>
-              <a:t>25.03.2018</a:t>
+              <a:t>25.03.18</a:t>
             </a:fld>
             <a:endParaRPr lang="de-DE"/>
           </a:p>
@@ -2539,7 +2539,7 @@
           <a:p>
             <a:fld id="{BB770AC0-BAF5-467D-8D09-11B1889686D8}" type="slidenum">
               <a:rPr lang="de-DE" smtClean="0"/>
-              <a:t>‹Nr.›</a:t>
+              <a:t>‹#›</a:t>
             </a:fld>
             <a:endParaRPr lang="de-DE"/>
           </a:p>
@@ -2783,7 +2783,7 @@
           <a:p>
             <a:fld id="{B23375D0-788C-463C-9363-76E394C21F96}" type="datetimeFigureOut">
               <a:rPr lang="de-DE" smtClean="0"/>
-              <a:t>25.03.2018</a:t>
+              <a:t>25.03.18</a:t>
             </a:fld>
             <a:endParaRPr lang="de-DE"/>
           </a:p>
@@ -2825,7 +2825,7 @@
           <a:p>
             <a:fld id="{BB770AC0-BAF5-467D-8D09-11B1889686D8}" type="slidenum">
               <a:rPr lang="de-DE" smtClean="0"/>
-              <a:t>‹Nr.›</a:t>
+              <a:t>‹#›</a:t>
             </a:fld>
             <a:endParaRPr lang="de-DE"/>
           </a:p>
@@ -3049,7 +3049,7 @@
           <a:p>
             <a:fld id="{B23375D0-788C-463C-9363-76E394C21F96}" type="datetimeFigureOut">
               <a:rPr lang="de-DE" smtClean="0"/>
-              <a:t>25.03.2018</a:t>
+              <a:t>25.03.18</a:t>
             </a:fld>
             <a:endParaRPr lang="de-DE"/>
           </a:p>
@@ -3091,7 +3091,7 @@
           <a:p>
             <a:fld id="{BB770AC0-BAF5-467D-8D09-11B1889686D8}" type="slidenum">
               <a:rPr lang="de-DE" smtClean="0"/>
-              <a:t>‹Nr.›</a:t>
+              <a:t>‹#›</a:t>
             </a:fld>
             <a:endParaRPr lang="de-DE"/>
           </a:p>
@@ -3263,7 +3263,7 @@
             <a:fld id="{B23375D0-788C-463C-9363-76E394C21F96}" type="datetimeFigureOut">
               <a:rPr lang="de-DE" smtClean="0"/>
               <a:pPr/>
-              <a:t>25.03.2018</a:t>
+              <a:t>25.03.18</a:t>
             </a:fld>
             <a:endParaRPr lang="de-DE"/>
           </a:p>
@@ -3346,7 +3346,7 @@
             <a:fld id="{BB770AC0-BAF5-467D-8D09-11B1889686D8}" type="slidenum">
               <a:rPr lang="de-DE" smtClean="0"/>
               <a:pPr/>
-              <a:t>‹Nr.›</a:t>
+              <a:t>‹#›</a:t>
             </a:fld>
             <a:endParaRPr lang="de-DE" dirty="0"/>
           </a:p>
@@ -3919,7 +3919,7 @@
         </p:spPr>
         <p:txBody>
           <a:bodyPr>
-            <a:normAutofit fontScale="92500" lnSpcReduction="20000"/>
+            <a:normAutofit fontScale="85000" lnSpcReduction="20000"/>
           </a:bodyPr>
           <a:lstStyle/>
           <a:p>
@@ -4173,8 +4173,8 @@
         </p:blipFill>
         <p:spPr>
           <a:xfrm>
-            <a:off x="0" y="3823854"/>
-            <a:ext cx="12192000" cy="3034145"/>
+            <a:off x="-48476" y="3811790"/>
+            <a:ext cx="12240476" cy="3046209"/>
           </a:xfrm>
           <a:prstGeom prst="rect">
             <a:avLst/>
@@ -4231,7 +4231,7 @@
         </p:nvSpPr>
         <p:spPr>
           <a:xfrm>
-            <a:off x="3155795" y="1198894"/>
+            <a:off x="746580" y="627409"/>
             <a:ext cx="4694664" cy="2306138"/>
           </a:xfrm>
           <a:prstGeom prst="rect">
@@ -4850,7 +4850,7 @@
         </p:blipFill>
         <p:spPr>
           <a:xfrm>
-            <a:off x="406931" y="3445727"/>
+            <a:off x="406931" y="3536038"/>
             <a:ext cx="6945269" cy="3194824"/>
           </a:xfrm>
           <a:prstGeom prst="rect">
